--- a/MSDS_7330_Final_Term_Project.pptx
+++ b/MSDS_7330_Final_Term_Project.pptx
@@ -4248,7 +4248,7 @@
           <a:p>
             <a:fld id="{B416182A-ECB1-4E98-B2A4-1AB9DA268170}" type="datetimeFigureOut">
               <a:rPr lang="en-US" smtClean="0"/>
-              <a:t>12/6/2018</a:t>
+              <a:t>12/9/18</a:t>
             </a:fld>
             <a:endParaRPr lang="en-US"/>
           </a:p>
@@ -5707,7 +5707,7 @@
           <a:p>
             <a:fld id="{B416182A-ECB1-4E98-B2A4-1AB9DA268170}" type="datetimeFigureOut">
               <a:rPr lang="en-US" smtClean="0"/>
-              <a:t>12/6/2018</a:t>
+              <a:t>12/9/18</a:t>
             </a:fld>
             <a:endParaRPr lang="en-US"/>
           </a:p>
@@ -7160,7 +7160,7 @@
           <a:p>
             <a:fld id="{B416182A-ECB1-4E98-B2A4-1AB9DA268170}" type="datetimeFigureOut">
               <a:rPr lang="en-US" smtClean="0"/>
-              <a:t>12/6/2018</a:t>
+              <a:t>12/9/18</a:t>
             </a:fld>
             <a:endParaRPr lang="en-US"/>
           </a:p>
@@ -8615,7 +8615,7 @@
           <a:p>
             <a:fld id="{B416182A-ECB1-4E98-B2A4-1AB9DA268170}" type="datetimeFigureOut">
               <a:rPr lang="en-US" smtClean="0"/>
-              <a:t>12/6/2018</a:t>
+              <a:t>12/9/18</a:t>
             </a:fld>
             <a:endParaRPr lang="en-US"/>
           </a:p>
@@ -10123,7 +10123,7 @@
           <a:p>
             <a:fld id="{B416182A-ECB1-4E98-B2A4-1AB9DA268170}" type="datetimeFigureOut">
               <a:rPr lang="en-US" smtClean="0"/>
-              <a:t>12/6/2018</a:t>
+              <a:t>12/9/18</a:t>
             </a:fld>
             <a:endParaRPr lang="en-US"/>
           </a:p>
@@ -11644,7 +11644,7 @@
           <a:p>
             <a:fld id="{B416182A-ECB1-4E98-B2A4-1AB9DA268170}" type="datetimeFigureOut">
               <a:rPr lang="en-US" smtClean="0"/>
-              <a:t>12/6/2018</a:t>
+              <a:t>12/9/18</a:t>
             </a:fld>
             <a:endParaRPr lang="en-US"/>
           </a:p>
@@ -13309,7 +13309,7 @@
           <a:p>
             <a:fld id="{B416182A-ECB1-4E98-B2A4-1AB9DA268170}" type="datetimeFigureOut">
               <a:rPr lang="en-US" smtClean="0"/>
-              <a:t>12/6/2018</a:t>
+              <a:t>12/9/18</a:t>
             </a:fld>
             <a:endParaRPr lang="en-US"/>
           </a:p>
@@ -14707,7 +14707,7 @@
           <a:p>
             <a:fld id="{B416182A-ECB1-4E98-B2A4-1AB9DA268170}" type="datetimeFigureOut">
               <a:rPr lang="en-US" smtClean="0"/>
-              <a:t>12/6/2018</a:t>
+              <a:t>12/9/18</a:t>
             </a:fld>
             <a:endParaRPr lang="en-US"/>
           </a:p>
@@ -14807,7 +14807,7 @@
           <a:p>
             <a:fld id="{B416182A-ECB1-4E98-B2A4-1AB9DA268170}" type="datetimeFigureOut">
               <a:rPr lang="en-US" smtClean="0"/>
-              <a:t>12/6/2018</a:t>
+              <a:t>12/9/18</a:t>
             </a:fld>
             <a:endParaRPr lang="en-US"/>
           </a:p>
@@ -16333,7 +16333,7 @@
           <a:p>
             <a:fld id="{B416182A-ECB1-4E98-B2A4-1AB9DA268170}" type="datetimeFigureOut">
               <a:rPr lang="en-US" smtClean="0"/>
-              <a:t>12/6/2018</a:t>
+              <a:t>12/9/18</a:t>
             </a:fld>
             <a:endParaRPr lang="en-US"/>
           </a:p>
@@ -17869,7 +17869,7 @@
           <a:p>
             <a:fld id="{B416182A-ECB1-4E98-B2A4-1AB9DA268170}" type="datetimeFigureOut">
               <a:rPr lang="en-US" smtClean="0"/>
-              <a:t>12/6/2018</a:t>
+              <a:t>12/9/18</a:t>
             </a:fld>
             <a:endParaRPr lang="en-US"/>
           </a:p>
@@ -18119,7 +18119,7 @@
           <a:p>
             <a:fld id="{B416182A-ECB1-4E98-B2A4-1AB9DA268170}" type="datetimeFigureOut">
               <a:rPr lang="en-US" smtClean="0"/>
-              <a:t>12/6/2018</a:t>
+              <a:t>12/9/18</a:t>
             </a:fld>
             <a:endParaRPr lang="en-US"/>
           </a:p>
@@ -26376,6 +26376,13 @@
               <a:rPr lang="en-US" dirty="0"/>
               <a:t>REST Service</a:t>
             </a:r>
+            <a:br>
+              <a:rPr lang="en-US" dirty="0"/>
+            </a:br>
+            <a:r>
+              <a:rPr lang="en-US" dirty="0"/>
+              <a:t>“Bulk Upload”</a:t>
+            </a:r>
           </a:p>
         </p:txBody>
       </p:sp>
@@ -26432,12 +26439,8 @@
           <a:p>
             <a:pPr lvl="1"/>
             <a:r>
-              <a:rPr lang="en-US" dirty="0" err="1"/>
-              <a:t>Dislplay</a:t>
-            </a:r>
-            <a:r>
               <a:rPr lang="en-US" dirty="0"/>
-              <a:t>:</a:t>
+              <a:t>Display:</a:t>
             </a:r>
           </a:p>
           <a:p>
@@ -26527,10 +26530,9 @@
           <a:p>
             <a:pPr lvl="2"/>
             <a:r>
-              <a:rPr lang="en-US"/>
+              <a:rPr lang="en-US" dirty="0"/>
               <a:t>Success or error created by system</a:t>
             </a:r>
-            <a:endParaRPr lang="en-US" dirty="0"/>
           </a:p>
           <a:p>
             <a:pPr lvl="2"/>
@@ -26593,6 +26595,13 @@
               <a:rPr lang="en-US" dirty="0"/>
               <a:t>REST Service</a:t>
             </a:r>
+            <a:br>
+              <a:rPr lang="en-US" dirty="0"/>
+            </a:br>
+            <a:r>
+              <a:rPr lang="en-US" dirty="0"/>
+              <a:t>“Web Form Upload”</a:t>
+            </a:r>
           </a:p>
         </p:txBody>
       </p:sp>
@@ -26615,13 +26624,111 @@
         <p:spPr/>
         <p:txBody>
           <a:bodyPr>
-            <a:normAutofit/>
+            <a:normAutofit lnSpcReduction="10000"/>
           </a:bodyPr>
           <a:lstStyle/>
           <a:p>
             <a:r>
               <a:rPr lang="en-US" dirty="0"/>
-              <a:t>REST Service 2</a:t>
+              <a:t>Upload (/upload/)</a:t>
+            </a:r>
+          </a:p>
+          <a:p>
+            <a:pPr lvl="1"/>
+            <a:r>
+              <a:rPr lang="en-US" dirty="0"/>
+              <a:t>Takes in a review from the review website, in JSON data structure</a:t>
+            </a:r>
+          </a:p>
+          <a:p>
+            <a:pPr lvl="1"/>
+            <a:r>
+              <a:rPr lang="en-US" dirty="0"/>
+              <a:t>Uploads those data from the JSON info to the database</a:t>
+            </a:r>
+          </a:p>
+          <a:p>
+            <a:pPr lvl="1"/>
+            <a:r>
+              <a:rPr lang="en-US" dirty="0"/>
+              <a:t>Display:</a:t>
+            </a:r>
+          </a:p>
+          <a:p>
+            <a:pPr lvl="2"/>
+            <a:r>
+              <a:rPr lang="en-US" dirty="0"/>
+              <a:t>Datetime of files upload</a:t>
+            </a:r>
+          </a:p>
+          <a:p>
+            <a:pPr lvl="2"/>
+            <a:r>
+              <a:rPr lang="en-US" dirty="0"/>
+              <a:t>Whether a new hotel was uploaded</a:t>
+            </a:r>
+          </a:p>
+          <a:p>
+            <a:pPr lvl="1"/>
+            <a:r>
+              <a:rPr lang="en-US" dirty="0"/>
+              <a:t>Create csv log of hotel uploaded or updated</a:t>
+            </a:r>
+          </a:p>
+          <a:p>
+            <a:pPr lvl="2"/>
+            <a:r>
+              <a:rPr lang="en-US" dirty="0"/>
+              <a:t>Datetime</a:t>
+            </a:r>
+          </a:p>
+          <a:p>
+            <a:pPr lvl="2"/>
+            <a:r>
+              <a:rPr lang="en-US" dirty="0"/>
+              <a:t>Hotel’s ID</a:t>
+            </a:r>
+          </a:p>
+          <a:p>
+            <a:pPr lvl="2"/>
+            <a:r>
+              <a:rPr lang="en-US" dirty="0"/>
+              <a:t>Success or error created by system</a:t>
+            </a:r>
+          </a:p>
+          <a:p>
+            <a:pPr lvl="1"/>
+            <a:r>
+              <a:rPr lang="en-US" dirty="0"/>
+              <a:t>Create csv log of review uploaded</a:t>
+            </a:r>
+          </a:p>
+          <a:p>
+            <a:pPr lvl="2"/>
+            <a:r>
+              <a:rPr lang="en-US" dirty="0"/>
+              <a:t>Datetime</a:t>
+            </a:r>
+          </a:p>
+          <a:p>
+            <a:pPr lvl="2"/>
+            <a:r>
+              <a:rPr lang="en-US" dirty="0"/>
+              <a:t>Hotel’s ID</a:t>
+            </a:r>
+          </a:p>
+          <a:p>
+            <a:pPr lvl="2"/>
+            <a:r>
+              <a:rPr lang="en-US" dirty="0"/>
+              <a:t>Review’s ID</a:t>
+            </a:r>
+          </a:p>
+          <a:p>
+            <a:pPr lvl="2"/>
+            <a:r>
+              <a:rPr lang="en-US" dirty="0"/>
+              <a:t>Success or error created by system</a:t>
             </a:r>
           </a:p>
         </p:txBody>
@@ -27389,14 +27496,20 @@
           <a:lstStyle/>
           <a:p>
             <a:r>
-              <a:rPr lang="en-US"/>
-              <a:t>”Key</a:t>
+              <a:rPr lang="en-US" dirty="0" err="1"/>
+              <a:t>Upsert</a:t>
             </a:r>
             <a:r>
               <a:rPr lang="en-US" dirty="0"/>
-              <a:t> learnings you want to share with your classmates”</a:t>
+              <a:t> function</a:t>
             </a:r>
-            <a:endParaRPr lang="en-US" sz="1600" dirty="0"/>
+          </a:p>
+          <a:p>
+            <a:pPr lvl="1"/>
+            <a:r>
+              <a:rPr lang="en-US" sz="1400" dirty="0"/>
+              <a:t>Use this to handle both updates and inserts in the same statement</a:t>
+            </a:r>
           </a:p>
         </p:txBody>
       </p:sp>

--- a/MSDS_7330_Final_Term_Project.pptx
+++ b/MSDS_7330_Final_Term_Project.pptx
@@ -4248,7 +4248,7 @@
           <a:p>
             <a:fld id="{B416182A-ECB1-4E98-B2A4-1AB9DA268170}" type="datetimeFigureOut">
               <a:rPr lang="en-US" smtClean="0"/>
-              <a:t>12/9/18</a:t>
+              <a:t>12/9/2018</a:t>
             </a:fld>
             <a:endParaRPr lang="en-US"/>
           </a:p>
@@ -5707,7 +5707,7 @@
           <a:p>
             <a:fld id="{B416182A-ECB1-4E98-B2A4-1AB9DA268170}" type="datetimeFigureOut">
               <a:rPr lang="en-US" smtClean="0"/>
-              <a:t>12/9/18</a:t>
+              <a:t>12/9/2018</a:t>
             </a:fld>
             <a:endParaRPr lang="en-US"/>
           </a:p>
@@ -7160,7 +7160,7 @@
           <a:p>
             <a:fld id="{B416182A-ECB1-4E98-B2A4-1AB9DA268170}" type="datetimeFigureOut">
               <a:rPr lang="en-US" smtClean="0"/>
-              <a:t>12/9/18</a:t>
+              <a:t>12/9/2018</a:t>
             </a:fld>
             <a:endParaRPr lang="en-US"/>
           </a:p>
@@ -8615,7 +8615,7 @@
           <a:p>
             <a:fld id="{B416182A-ECB1-4E98-B2A4-1AB9DA268170}" type="datetimeFigureOut">
               <a:rPr lang="en-US" smtClean="0"/>
-              <a:t>12/9/18</a:t>
+              <a:t>12/9/2018</a:t>
             </a:fld>
             <a:endParaRPr lang="en-US"/>
           </a:p>
@@ -10123,7 +10123,7 @@
           <a:p>
             <a:fld id="{B416182A-ECB1-4E98-B2A4-1AB9DA268170}" type="datetimeFigureOut">
               <a:rPr lang="en-US" smtClean="0"/>
-              <a:t>12/9/18</a:t>
+              <a:t>12/9/2018</a:t>
             </a:fld>
             <a:endParaRPr lang="en-US"/>
           </a:p>
@@ -11644,7 +11644,7 @@
           <a:p>
             <a:fld id="{B416182A-ECB1-4E98-B2A4-1AB9DA268170}" type="datetimeFigureOut">
               <a:rPr lang="en-US" smtClean="0"/>
-              <a:t>12/9/18</a:t>
+              <a:t>12/9/2018</a:t>
             </a:fld>
             <a:endParaRPr lang="en-US"/>
           </a:p>
@@ -13309,7 +13309,7 @@
           <a:p>
             <a:fld id="{B416182A-ECB1-4E98-B2A4-1AB9DA268170}" type="datetimeFigureOut">
               <a:rPr lang="en-US" smtClean="0"/>
-              <a:t>12/9/18</a:t>
+              <a:t>12/9/2018</a:t>
             </a:fld>
             <a:endParaRPr lang="en-US"/>
           </a:p>
@@ -14707,7 +14707,7 @@
           <a:p>
             <a:fld id="{B416182A-ECB1-4E98-B2A4-1AB9DA268170}" type="datetimeFigureOut">
               <a:rPr lang="en-US" smtClean="0"/>
-              <a:t>12/9/18</a:t>
+              <a:t>12/9/2018</a:t>
             </a:fld>
             <a:endParaRPr lang="en-US"/>
           </a:p>
@@ -14807,7 +14807,7 @@
           <a:p>
             <a:fld id="{B416182A-ECB1-4E98-B2A4-1AB9DA268170}" type="datetimeFigureOut">
               <a:rPr lang="en-US" smtClean="0"/>
-              <a:t>12/9/18</a:t>
+              <a:t>12/9/2018</a:t>
             </a:fld>
             <a:endParaRPr lang="en-US"/>
           </a:p>
@@ -16333,7 +16333,7 @@
           <a:p>
             <a:fld id="{B416182A-ECB1-4E98-B2A4-1AB9DA268170}" type="datetimeFigureOut">
               <a:rPr lang="en-US" smtClean="0"/>
-              <a:t>12/9/18</a:t>
+              <a:t>12/9/2018</a:t>
             </a:fld>
             <a:endParaRPr lang="en-US"/>
           </a:p>
@@ -17869,7 +17869,7 @@
           <a:p>
             <a:fld id="{B416182A-ECB1-4E98-B2A4-1AB9DA268170}" type="datetimeFigureOut">
               <a:rPr lang="en-US" smtClean="0"/>
-              <a:t>12/9/18</a:t>
+              <a:t>12/9/2018</a:t>
             </a:fld>
             <a:endParaRPr lang="en-US"/>
           </a:p>
@@ -18119,7 +18119,7 @@
           <a:p>
             <a:fld id="{B416182A-ECB1-4E98-B2A4-1AB9DA268170}" type="datetimeFigureOut">
               <a:rPr lang="en-US" smtClean="0"/>
-              <a:t>12/9/18</a:t>
+              <a:t>12/9/2018</a:t>
             </a:fld>
             <a:endParaRPr lang="en-US"/>
           </a:p>
@@ -26788,6 +26788,13 @@
               <a:rPr lang="en-US" dirty="0"/>
               <a:t>REST Service</a:t>
             </a:r>
+            <a:br>
+              <a:rPr lang="en-US" dirty="0"/>
+            </a:br>
+            <a:r>
+              <a:rPr lang="en-US" dirty="0"/>
+              <a:t>“Query searches”</a:t>
+            </a:r>
           </a:p>
         </p:txBody>
       </p:sp>
@@ -26816,11 +26823,57 @@
           <a:p>
             <a:r>
               <a:rPr lang="en-US" dirty="0"/>
-              <a:t>REST Service 3</a:t>
+              <a:t>Query (/query/&lt;arguments&gt;</a:t>
+            </a:r>
+          </a:p>
+          <a:p>
+            <a:pPr lvl="1"/>
+            <a:r>
+              <a:rPr lang="en-US" dirty="0"/>
+              <a:t>Takes in 3 arguments separated by ‘+’</a:t>
             </a:r>
           </a:p>
           <a:p>
             <a:pPr lvl="2"/>
+            <a:r>
+              <a:rPr lang="en-US" dirty="0"/>
+              <a:t>First argument: ‘Hotel’ or ‘Reviews’ </a:t>
+            </a:r>
+          </a:p>
+          <a:p>
+            <a:pPr lvl="3"/>
+            <a:r>
+              <a:rPr lang="en-US" dirty="0"/>
+              <a:t>Drop down menu</a:t>
+            </a:r>
+          </a:p>
+          <a:p>
+            <a:pPr lvl="2"/>
+            <a:r>
+              <a:rPr lang="en-US" dirty="0"/>
+              <a:t>Second argument: any of the key values found in the documents</a:t>
+            </a:r>
+          </a:p>
+          <a:p>
+            <a:pPr lvl="3"/>
+            <a:r>
+              <a:rPr lang="en-US" dirty="0"/>
+              <a:t>Drop down menu</a:t>
+            </a:r>
+          </a:p>
+          <a:p>
+            <a:pPr lvl="2"/>
+            <a:r>
+              <a:rPr lang="en-US" dirty="0"/>
+              <a:t>Third argument: search term </a:t>
+            </a:r>
+          </a:p>
+          <a:p>
+            <a:pPr lvl="3"/>
+            <a:r>
+              <a:rPr lang="en-US"/>
+              <a:t>User defined</a:t>
+            </a:r>
             <a:endParaRPr lang="en-US" dirty="0"/>
           </a:p>
         </p:txBody>

--- a/MSDS_7330_Final_Term_Project.pptx
+++ b/MSDS_7330_Final_Term_Project.pptx
@@ -14,6 +14,7 @@
     <p:sldId id="263" r:id="rId8"/>
     <p:sldId id="262" r:id="rId9"/>
     <p:sldId id="264" r:id="rId10"/>
+    <p:sldId id="265" r:id="rId11"/>
   </p:sldIdLst>
   <p:sldSz cx="12192000" cy="6858000"/>
   <p:notesSz cx="6858000" cy="9144000"/>
@@ -1036,8 +1037,12 @@
       <dgm:spPr/>
     </dgm:pt>
     <dgm:pt modelId="{10E19AEF-BDD8-44DD-9BBB-C4602879EA6F}" type="pres">
-      <dgm:prSet presAssocID="{7AA8CCAC-C09C-40B1-A1C6-10CAC3EC0903}" presName="sibTrans" presStyleLbl="sibTrans2D1" presStyleIdx="0" presStyleCnt="3"/>
-      <dgm:spPr/>
+      <dgm:prSet presAssocID="{7AA8CCAC-C09C-40B1-A1C6-10CAC3EC0903}" presName="sibTrans" presStyleLbl="sibTrans2D1" presStyleIdx="0" presStyleCnt="3" custScaleX="176198" custLinFactNeighborX="-5490"/>
+      <dgm:spPr>
+        <a:prstGeom prst="leftRightArrow">
+          <a:avLst/>
+        </a:prstGeom>
+      </dgm:spPr>
     </dgm:pt>
     <dgm:pt modelId="{810B0AB7-83E2-4E3D-9BF0-C7419B97D5FB}" type="pres">
       <dgm:prSet presAssocID="{7AA8CCAC-C09C-40B1-A1C6-10CAC3EC0903}" presName="connectorText" presStyleLbl="sibTrans2D1" presStyleIdx="0" presStyleCnt="3"/>
@@ -1052,8 +1057,12 @@
       <dgm:spPr/>
     </dgm:pt>
     <dgm:pt modelId="{48F2C9A0-8727-4F99-A202-072D3DBC2E9F}" type="pres">
-      <dgm:prSet presAssocID="{49F240A7-8BA6-4474-B572-730FA2D265FF}" presName="sibTrans" presStyleLbl="sibTrans2D1" presStyleIdx="1" presStyleCnt="3"/>
-      <dgm:spPr/>
+      <dgm:prSet presAssocID="{49F240A7-8BA6-4474-B572-730FA2D265FF}" presName="sibTrans" presStyleLbl="sibTrans2D1" presStyleIdx="1" presStyleCnt="3" custScaleX="185244" custLinFactNeighborX="-3660"/>
+      <dgm:spPr>
+        <a:prstGeom prst="leftRightArrow">
+          <a:avLst/>
+        </a:prstGeom>
+      </dgm:spPr>
     </dgm:pt>
     <dgm:pt modelId="{FD09DCE8-3DFF-41F8-94BD-A841C9C6F6CD}" type="pres">
       <dgm:prSet presAssocID="{49F240A7-8BA6-4474-B572-730FA2D265FF}" presName="connectorText" presStyleLbl="sibTrans2D1" presStyleIdx="1" presStyleCnt="3"/>
@@ -1068,8 +1077,12 @@
       <dgm:spPr/>
     </dgm:pt>
     <dgm:pt modelId="{68029183-0F96-47EC-BED4-B45A86C119FF}" type="pres">
-      <dgm:prSet presAssocID="{E256E5C2-ACCC-4282-834F-43B3A9B439B1}" presName="sibTrans" presStyleLbl="sibTrans2D1" presStyleIdx="2" presStyleCnt="3"/>
-      <dgm:spPr/>
+      <dgm:prSet presAssocID="{E256E5C2-ACCC-4282-834F-43B3A9B439B1}" presName="sibTrans" presStyleLbl="sibTrans2D1" presStyleIdx="2" presStyleCnt="3" custScaleX="185605" custLinFactNeighborX="-3660"/>
+      <dgm:spPr>
+        <a:prstGeom prst="leftRightArrow">
+          <a:avLst/>
+        </a:prstGeom>
+      </dgm:spPr>
     </dgm:pt>
     <dgm:pt modelId="{EEDDAE35-834E-4CFC-8A83-F14C9613D3D1}" type="pres">
       <dgm:prSet presAssocID="{E256E5C2-ACCC-4282-834F-43B3A9B439B1}" presName="connectorText" presStyleLbl="sibTrans2D1" presStyleIdx="2" presStyleCnt="3"/>
@@ -1136,8 +1149,8 @@
       </dsp:nvSpPr>
       <dsp:spPr>
         <a:xfrm>
-          <a:off x="4647" y="1478084"/>
-          <a:ext cx="2032165" cy="1219299"/>
+          <a:off x="5234" y="1401170"/>
+          <a:ext cx="2288545" cy="1373127"/>
         </a:xfrm>
         <a:prstGeom prst="roundRect">
           <a:avLst>
@@ -1180,12 +1193,12 @@
         </a:fontRef>
       </dsp:style>
       <dsp:txBody>
-        <a:bodyPr spcFirstLastPara="0" vert="horz" wrap="square" lIns="87630" tIns="87630" rIns="87630" bIns="87630" numCol="1" spcCol="1270" anchor="ctr" anchorCtr="0">
+        <a:bodyPr spcFirstLastPara="0" vert="horz" wrap="square" lIns="99060" tIns="99060" rIns="99060" bIns="99060" numCol="1" spcCol="1270" anchor="ctr" anchorCtr="0">
           <a:noAutofit/>
         </a:bodyPr>
         <a:lstStyle/>
         <a:p>
-          <a:pPr marL="0" lvl="0" indent="0" algn="ctr" defTabSz="1022350">
+          <a:pPr marL="0" lvl="0" indent="0" algn="ctr" defTabSz="1155700">
             <a:lnSpc>
               <a:spcPct val="90000"/>
             </a:lnSpc>
@@ -1198,14 +1211,14 @@
             <a:buNone/>
           </a:pPr>
           <a:r>
-            <a:rPr lang="en-US" sz="2300" kern="1200"/>
+            <a:rPr lang="en-US" sz="2600" kern="1200"/>
             <a:t>User (website)</a:t>
           </a:r>
         </a:p>
       </dsp:txBody>
       <dsp:txXfrm>
-        <a:off x="40359" y="1513796"/>
-        <a:ext cx="1960741" cy="1147875"/>
+        <a:off x="45452" y="1441388"/>
+        <a:ext cx="2208109" cy="1292691"/>
       </dsp:txXfrm>
     </dsp:sp>
     <dsp:sp modelId="{10E19AEF-BDD8-44DD-9BBB-C4602879EA6F}">
@@ -1215,14 +1228,11 @@
       </dsp:nvSpPr>
       <dsp:spPr>
         <a:xfrm>
-          <a:off x="2240030" y="1835745"/>
-          <a:ext cx="430819" cy="503977"/>
+          <a:off x="2311152" y="1803954"/>
+          <a:ext cx="854862" cy="567559"/>
         </a:xfrm>
-        <a:prstGeom prst="rightArrow">
-          <a:avLst>
-            <a:gd name="adj1" fmla="val 60000"/>
-            <a:gd name="adj2" fmla="val 50000"/>
-          </a:avLst>
+        <a:prstGeom prst="leftRightArrow">
+          <a:avLst/>
         </a:prstGeom>
         <a:solidFill>
           <a:schemeClr val="accent1">
@@ -1258,7 +1268,7 @@
         </a:bodyPr>
         <a:lstStyle/>
         <a:p>
-          <a:pPr marL="0" lvl="0" indent="0" algn="ctr" defTabSz="800100">
+          <a:pPr marL="0" lvl="0" indent="0" algn="ctr" defTabSz="933450">
             <a:lnSpc>
               <a:spcPct val="90000"/>
             </a:lnSpc>
@@ -1270,12 +1280,12 @@
             </a:spcAft>
             <a:buNone/>
           </a:pPr>
-          <a:endParaRPr lang="en-US" sz="1800" kern="1200"/>
+          <a:endParaRPr lang="en-US" sz="2100" kern="1200"/>
         </a:p>
       </dsp:txBody>
       <dsp:txXfrm>
-        <a:off x="2240030" y="1936540"/>
-        <a:ext cx="301573" cy="302387"/>
+        <a:off x="2311152" y="1917466"/>
+        <a:ext cx="684594" cy="340535"/>
       </dsp:txXfrm>
     </dsp:sp>
     <dsp:sp modelId="{C995750B-9ED8-457F-9C95-6952BE11C550}">
@@ -1285,8 +1295,8 @@
       </dsp:nvSpPr>
       <dsp:spPr>
         <a:xfrm>
-          <a:off x="2849680" y="1478084"/>
-          <a:ext cx="2032165" cy="1219299"/>
+          <a:off x="3209197" y="1401170"/>
+          <a:ext cx="2288545" cy="1373127"/>
         </a:xfrm>
         <a:prstGeom prst="roundRect">
           <a:avLst>
@@ -1329,12 +1339,12 @@
         </a:fontRef>
       </dsp:style>
       <dsp:txBody>
-        <a:bodyPr spcFirstLastPara="0" vert="horz" wrap="square" lIns="87630" tIns="87630" rIns="87630" bIns="87630" numCol="1" spcCol="1270" anchor="ctr" anchorCtr="0">
+        <a:bodyPr spcFirstLastPara="0" vert="horz" wrap="square" lIns="99060" tIns="99060" rIns="99060" bIns="99060" numCol="1" spcCol="1270" anchor="ctr" anchorCtr="0">
           <a:noAutofit/>
         </a:bodyPr>
         <a:lstStyle/>
         <a:p>
-          <a:pPr marL="0" lvl="0" indent="0" algn="ctr" defTabSz="1022350">
+          <a:pPr marL="0" lvl="0" indent="0" algn="ctr" defTabSz="1155700">
             <a:lnSpc>
               <a:spcPct val="90000"/>
             </a:lnSpc>
@@ -1347,14 +1357,14 @@
             <a:buNone/>
           </a:pPr>
           <a:r>
-            <a:rPr lang="en-US" sz="2300" kern="1200"/>
+            <a:rPr lang="en-US" sz="2600" kern="1200"/>
             <a:t>Application client (rest service)</a:t>
           </a:r>
         </a:p>
       </dsp:txBody>
       <dsp:txXfrm>
-        <a:off x="2885392" y="1513796"/>
-        <a:ext cx="1960741" cy="1147875"/>
+        <a:off x="3249415" y="1441388"/>
+        <a:ext cx="2208109" cy="1292691"/>
       </dsp:txXfrm>
     </dsp:sp>
     <dsp:sp modelId="{48F2C9A0-8727-4F99-A202-072D3DBC2E9F}">
@@ -1364,14 +1374,11 @@
       </dsp:nvSpPr>
       <dsp:spPr>
         <a:xfrm>
-          <a:off x="5085062" y="1835745"/>
-          <a:ext cx="430819" cy="503977"/>
+          <a:off x="5502050" y="1803954"/>
+          <a:ext cx="898751" cy="567559"/>
         </a:xfrm>
-        <a:prstGeom prst="rightArrow">
-          <a:avLst>
-            <a:gd name="adj1" fmla="val 60000"/>
-            <a:gd name="adj2" fmla="val 50000"/>
-          </a:avLst>
+        <a:prstGeom prst="leftRightArrow">
+          <a:avLst/>
         </a:prstGeom>
         <a:solidFill>
           <a:schemeClr val="accent1">
@@ -1407,7 +1414,7 @@
         </a:bodyPr>
         <a:lstStyle/>
         <a:p>
-          <a:pPr marL="0" lvl="0" indent="0" algn="ctr" defTabSz="800100">
+          <a:pPr marL="0" lvl="0" indent="0" algn="ctr" defTabSz="933450">
             <a:lnSpc>
               <a:spcPct val="90000"/>
             </a:lnSpc>
@@ -1419,12 +1426,12 @@
             </a:spcAft>
             <a:buNone/>
           </a:pPr>
-          <a:endParaRPr lang="en-US" sz="1800" kern="1200"/>
+          <a:endParaRPr lang="en-US" sz="2100" kern="1200"/>
         </a:p>
       </dsp:txBody>
       <dsp:txXfrm>
-        <a:off x="5085062" y="1936540"/>
-        <a:ext cx="301573" cy="302387"/>
+        <a:off x="5502050" y="1917466"/>
+        <a:ext cx="728483" cy="340535"/>
       </dsp:txXfrm>
     </dsp:sp>
     <dsp:sp modelId="{083C3A3C-B534-4716-AC22-A7C5D1B70912}">
@@ -1434,8 +1441,8 @@
       </dsp:nvSpPr>
       <dsp:spPr>
         <a:xfrm>
-          <a:off x="5694712" y="1478084"/>
-          <a:ext cx="2032165" cy="1219299"/>
+          <a:off x="6413161" y="1401170"/>
+          <a:ext cx="2288545" cy="1373127"/>
         </a:xfrm>
         <a:prstGeom prst="roundRect">
           <a:avLst>
@@ -1478,12 +1485,12 @@
         </a:fontRef>
       </dsp:style>
       <dsp:txBody>
-        <a:bodyPr spcFirstLastPara="0" vert="horz" wrap="square" lIns="87630" tIns="87630" rIns="87630" bIns="87630" numCol="1" spcCol="1270" anchor="ctr" anchorCtr="0">
+        <a:bodyPr spcFirstLastPara="0" vert="horz" wrap="square" lIns="99060" tIns="99060" rIns="99060" bIns="99060" numCol="1" spcCol="1270" anchor="ctr" anchorCtr="0">
           <a:noAutofit/>
         </a:bodyPr>
         <a:lstStyle/>
         <a:p>
-          <a:pPr marL="0" lvl="0" indent="0" algn="ctr" defTabSz="1022350">
+          <a:pPr marL="0" lvl="0" indent="0" algn="ctr" defTabSz="1155700">
             <a:lnSpc>
               <a:spcPct val="90000"/>
             </a:lnSpc>
@@ -1496,14 +1503,14 @@
             <a:buNone/>
           </a:pPr>
           <a:r>
-            <a:rPr lang="en-US" sz="2300" kern="1200"/>
+            <a:rPr lang="en-US" sz="2600" kern="1200"/>
             <a:t>Application Server</a:t>
           </a:r>
         </a:p>
       </dsp:txBody>
       <dsp:txXfrm>
-        <a:off x="5730424" y="1513796"/>
-        <a:ext cx="1960741" cy="1147875"/>
+        <a:off x="6453379" y="1441388"/>
+        <a:ext cx="2208109" cy="1292691"/>
       </dsp:txXfrm>
     </dsp:sp>
     <dsp:sp modelId="{68029183-0F96-47EC-BED4-B45A86C119FF}">
@@ -1513,14 +1520,11 @@
       </dsp:nvSpPr>
       <dsp:spPr>
         <a:xfrm>
-          <a:off x="7930094" y="1835745"/>
-          <a:ext cx="430819" cy="503977"/>
+          <a:off x="8705138" y="1803954"/>
+          <a:ext cx="900502" cy="567559"/>
         </a:xfrm>
-        <a:prstGeom prst="rightArrow">
-          <a:avLst>
-            <a:gd name="adj1" fmla="val 60000"/>
-            <a:gd name="adj2" fmla="val 50000"/>
-          </a:avLst>
+        <a:prstGeom prst="leftRightArrow">
+          <a:avLst/>
         </a:prstGeom>
         <a:solidFill>
           <a:schemeClr val="accent1">
@@ -1556,7 +1560,7 @@
         </a:bodyPr>
         <a:lstStyle/>
         <a:p>
-          <a:pPr marL="0" lvl="0" indent="0" algn="ctr" defTabSz="800100">
+          <a:pPr marL="0" lvl="0" indent="0" algn="ctr" defTabSz="933450">
             <a:lnSpc>
               <a:spcPct val="90000"/>
             </a:lnSpc>
@@ -1568,12 +1572,12 @@
             </a:spcAft>
             <a:buNone/>
           </a:pPr>
-          <a:endParaRPr lang="en-US" sz="1800" kern="1200"/>
+          <a:endParaRPr lang="en-US" sz="2100" kern="1200"/>
         </a:p>
       </dsp:txBody>
       <dsp:txXfrm>
-        <a:off x="7930094" y="1936540"/>
-        <a:ext cx="301573" cy="302387"/>
+        <a:off x="8705138" y="1917466"/>
+        <a:ext cx="730234" cy="340535"/>
       </dsp:txXfrm>
     </dsp:sp>
     <dsp:sp modelId="{F6FA715C-E8CE-4475-BDFD-DB8D42FF926A}">
@@ -1583,8 +1587,8 @@
       </dsp:nvSpPr>
       <dsp:spPr>
         <a:xfrm>
-          <a:off x="8539744" y="1478084"/>
-          <a:ext cx="2032165" cy="1219299"/>
+          <a:off x="9617125" y="1401170"/>
+          <a:ext cx="2288545" cy="1373127"/>
         </a:xfrm>
         <a:prstGeom prst="roundRect">
           <a:avLst>
@@ -1627,12 +1631,12 @@
         </a:fontRef>
       </dsp:style>
       <dsp:txBody>
-        <a:bodyPr spcFirstLastPara="0" vert="horz" wrap="square" lIns="87630" tIns="87630" rIns="87630" bIns="87630" numCol="1" spcCol="1270" anchor="ctr" anchorCtr="0">
+        <a:bodyPr spcFirstLastPara="0" vert="horz" wrap="square" lIns="99060" tIns="99060" rIns="99060" bIns="99060" numCol="1" spcCol="1270" anchor="ctr" anchorCtr="0">
           <a:noAutofit/>
         </a:bodyPr>
         <a:lstStyle/>
         <a:p>
-          <a:pPr marL="0" lvl="0" indent="0" algn="ctr" defTabSz="1022350">
+          <a:pPr marL="0" lvl="0" indent="0" algn="ctr" defTabSz="1155700">
             <a:lnSpc>
               <a:spcPct val="90000"/>
             </a:lnSpc>
@@ -1645,14 +1649,14 @@
             <a:buNone/>
           </a:pPr>
           <a:r>
-            <a:rPr lang="en-US" sz="2300" kern="1200"/>
+            <a:rPr lang="en-US" sz="2600" kern="1200"/>
             <a:t>MongoDB</a:t>
           </a:r>
         </a:p>
       </dsp:txBody>
       <dsp:txXfrm>
-        <a:off x="8575456" y="1513796"/>
-        <a:ext cx="1960741" cy="1147875"/>
+        <a:off x="9657343" y="1441388"/>
+        <a:ext cx="2208109" cy="1292691"/>
       </dsp:txXfrm>
     </dsp:sp>
   </dsp:spTree>
@@ -20582,6 +20586,2035 @@
 </p:sld>
 </file>
 
+<file path=ppt/slides/slide10.xml><?xml version="1.0" encoding="utf-8"?>
+<p:sld xmlns:a="http://schemas.openxmlformats.org/drawingml/2006/main" xmlns:r="http://schemas.openxmlformats.org/officeDocument/2006/relationships" xmlns:p="http://schemas.openxmlformats.org/presentationml/2006/main">
+  <p:cSld>
+    <p:bg>
+      <p:bgPr>
+        <a:solidFill>
+          <a:schemeClr val="bg1"/>
+        </a:solidFill>
+        <a:effectLst/>
+      </p:bgPr>
+    </p:bg>
+    <p:spTree>
+      <p:nvGrpSpPr>
+        <p:cNvPr id="1" name=""/>
+        <p:cNvGrpSpPr/>
+        <p:nvPr/>
+      </p:nvGrpSpPr>
+      <p:grpSpPr>
+        <a:xfrm>
+          <a:off x="0" y="0"/>
+          <a:ext cx="0" cy="0"/>
+          <a:chOff x="0" y="0"/>
+          <a:chExt cx="0" cy="0"/>
+        </a:xfrm>
+      </p:grpSpPr>
+      <p:sp useBgFill="1">
+        <p:nvSpPr>
+          <p:cNvPr id="8" name="Rectangle 7">
+            <a:extLst>
+              <a:ext uri="{FF2B5EF4-FFF2-40B4-BE49-F238E27FC236}">
+                <a16:creationId xmlns:a16="http://schemas.microsoft.com/office/drawing/2014/main" id="{6BDBA639-2A71-4A60-A71A-FF1836F546CE}"/>
+              </a:ext>
+              <a:ext uri="{C183D7F6-B498-43B3-948B-1728B52AA6E4}">
+                <adec:decorative xmlns:adec="http://schemas.microsoft.com/office/drawing/2017/decorative" val="1"/>
+              </a:ext>
+            </a:extLst>
+          </p:cNvPr>
+          <p:cNvSpPr>
+            <a:spLocks noGrp="1" noRot="1" noChangeAspect="1" noMove="1" noResize="1" noEditPoints="1" noAdjustHandles="1" noChangeArrowheads="1" noChangeShapeType="1" noTextEdit="1"/>
+          </p:cNvSpPr>
+          <p:nvPr>
+            <p:extLst>
+              <p:ext uri="{386F3935-93C4-4BCD-93E2-E3B085C9AB24}">
+                <p16:designElem xmlns:p16="http://schemas.microsoft.com/office/powerpoint/2015/main" val="1"/>
+              </p:ext>
+            </p:extLst>
+          </p:nvPr>
+        </p:nvSpPr>
+        <p:spPr>
+          <a:xfrm>
+            <a:off x="0" y="0"/>
+            <a:ext cx="12192000" cy="6858000"/>
+          </a:xfrm>
+          <a:prstGeom prst="rect">
+            <a:avLst/>
+          </a:prstGeom>
+          <a:ln>
+            <a:noFill/>
+          </a:ln>
+        </p:spPr>
+        <p:style>
+          <a:lnRef idx="2">
+            <a:schemeClr val="accent1">
+              <a:shade val="50000"/>
+            </a:schemeClr>
+          </a:lnRef>
+          <a:fillRef idx="1">
+            <a:schemeClr val="accent1"/>
+          </a:fillRef>
+          <a:effectRef idx="0">
+            <a:schemeClr val="accent1"/>
+          </a:effectRef>
+          <a:fontRef idx="minor">
+            <a:schemeClr val="lt1"/>
+          </a:fontRef>
+        </p:style>
+        <p:txBody>
+          <a:bodyPr rtlCol="0" anchor="ctr"/>
+          <a:lstStyle/>
+          <a:p>
+            <a:pPr algn="ctr"/>
+            <a:endParaRPr lang="en-US" dirty="0"/>
+          </a:p>
+        </p:txBody>
+      </p:sp>
+      <p:grpSp>
+        <p:nvGrpSpPr>
+          <p:cNvPr id="10" name="Group 9">
+            <a:extLst>
+              <a:ext uri="{FF2B5EF4-FFF2-40B4-BE49-F238E27FC236}">
+                <a16:creationId xmlns:a16="http://schemas.microsoft.com/office/drawing/2014/main" id="{5E208A8B-5EBD-4532-BE72-26414FA7CFF6}"/>
+              </a:ext>
+              <a:ext uri="{C183D7F6-B498-43B3-948B-1728B52AA6E4}">
+                <adec:decorative xmlns:adec="http://schemas.microsoft.com/office/drawing/2017/decorative" val="1"/>
+              </a:ext>
+            </a:extLst>
+          </p:cNvPr>
+          <p:cNvGrpSpPr>
+            <a:grpSpLocks noGrp="1" noUngrp="1" noRot="1" noChangeAspect="1" noMove="1" noResize="1"/>
+          </p:cNvGrpSpPr>
+          <p:nvPr>
+            <p:extLst>
+              <p:ext uri="{386F3935-93C4-4BCD-93E2-E3B085C9AB24}">
+                <p16:designElem xmlns:p16="http://schemas.microsoft.com/office/powerpoint/2015/main" val="1"/>
+              </p:ext>
+            </p:extLst>
+          </p:nvPr>
+        </p:nvGrpSpPr>
+        <p:grpSpPr>
+          <a:xfrm>
+            <a:off x="-329674" y="-59376"/>
+            <a:ext cx="12515851" cy="6923798"/>
+            <a:chOff x="-329674" y="-51881"/>
+            <a:chExt cx="12515851" cy="6923798"/>
+          </a:xfrm>
+        </p:grpSpPr>
+        <p:sp>
+          <p:nvSpPr>
+            <p:cNvPr id="11" name="Freeform 5">
+              <a:extLst>
+                <a:ext uri="{FF2B5EF4-FFF2-40B4-BE49-F238E27FC236}">
+                  <a16:creationId xmlns:a16="http://schemas.microsoft.com/office/drawing/2014/main" id="{15D09196-B338-4AB5-A71B-CFD5FFCA62BA}"/>
+                </a:ext>
+                <a:ext uri="{C183D7F6-B498-43B3-948B-1728B52AA6E4}">
+                  <adec:decorative xmlns:adec="http://schemas.microsoft.com/office/drawing/2017/decorative" val="1"/>
+                </a:ext>
+              </a:extLst>
+            </p:cNvPr>
+            <p:cNvSpPr/>
+            <p:nvPr>
+              <p:extLst>
+                <p:ext uri="{386F3935-93C4-4BCD-93E2-E3B085C9AB24}">
+                  <p16:designElem xmlns:p16="http://schemas.microsoft.com/office/powerpoint/2015/main" val="1"/>
+                </p:ext>
+              </p:extLst>
+            </p:nvPr>
+          </p:nvSpPr>
+          <p:spPr bwMode="auto">
+            <a:xfrm>
+              <a:off x="-329674" y="1298404"/>
+              <a:ext cx="9702800" cy="5573512"/>
+            </a:xfrm>
+            <a:custGeom>
+              <a:avLst/>
+              <a:gdLst/>
+              <a:ahLst/>
+              <a:cxnLst/>
+              <a:rect l="0" t="0" r="r" b="b"/>
+              <a:pathLst>
+                <a:path w="2038" h="1169">
+                  <a:moveTo>
+                    <a:pt x="1752" y="1169"/>
+                  </a:moveTo>
+                  <a:cubicBezTo>
+                    <a:pt x="2038" y="928"/>
+                    <a:pt x="1673" y="513"/>
+                    <a:pt x="1487" y="334"/>
+                  </a:cubicBezTo>
+                  <a:cubicBezTo>
+                    <a:pt x="1316" y="170"/>
+                    <a:pt x="1099" y="43"/>
+                    <a:pt x="860" y="22"/>
+                  </a:cubicBezTo>
+                  <a:cubicBezTo>
+                    <a:pt x="621" y="0"/>
+                    <a:pt x="341" y="128"/>
+                    <a:pt x="199" y="318"/>
+                  </a:cubicBezTo>
+                  <a:cubicBezTo>
+                    <a:pt x="0" y="586"/>
+                    <a:pt x="184" y="965"/>
+                    <a:pt x="399" y="1165"/>
+                  </a:cubicBezTo>
+                </a:path>
+              </a:pathLst>
+            </a:custGeom>
+            <a:noFill/>
+            <a:ln w="9525" cap="flat">
+              <a:solidFill>
+                <a:schemeClr val="tx1">
+                  <a:alpha val="20000"/>
+                </a:schemeClr>
+              </a:solidFill>
+              <a:prstDash val="solid"/>
+              <a:miter lim="800000"/>
+              <a:headEnd/>
+              <a:tailEnd/>
+            </a:ln>
+            <a:extLst>
+              <a:ext uri="{909E8E84-426E-40DD-AFC4-6F175D3DCCD1}">
+                <a14:hiddenFill xmlns:a14="http://schemas.microsoft.com/office/drawing/2010/main">
+                  <a:solidFill>
+                    <a:srgbClr val="FFFFFF"/>
+                  </a:solidFill>
+                </a14:hiddenFill>
+              </a:ext>
+            </a:extLst>
+          </p:spPr>
+        </p:sp>
+        <p:sp>
+          <p:nvSpPr>
+            <p:cNvPr id="12" name="Freeform 6">
+              <a:extLst>
+                <a:ext uri="{FF2B5EF4-FFF2-40B4-BE49-F238E27FC236}">
+                  <a16:creationId xmlns:a16="http://schemas.microsoft.com/office/drawing/2014/main" id="{F50B4463-128A-4677-A285-C017E6C543E0}"/>
+                </a:ext>
+                <a:ext uri="{C183D7F6-B498-43B3-948B-1728B52AA6E4}">
+                  <adec:decorative xmlns:adec="http://schemas.microsoft.com/office/drawing/2017/decorative" val="1"/>
+                </a:ext>
+              </a:extLst>
+            </p:cNvPr>
+            <p:cNvSpPr/>
+            <p:nvPr>
+              <p:extLst>
+                <p:ext uri="{386F3935-93C4-4BCD-93E2-E3B085C9AB24}">
+                  <p16:designElem xmlns:p16="http://schemas.microsoft.com/office/powerpoint/2015/main" val="1"/>
+                </p:ext>
+              </p:extLst>
+            </p:nvPr>
+          </p:nvSpPr>
+          <p:spPr bwMode="auto">
+            <a:xfrm>
+              <a:off x="670451" y="2018236"/>
+              <a:ext cx="7373938" cy="4848892"/>
+            </a:xfrm>
+            <a:custGeom>
+              <a:avLst/>
+              <a:gdLst/>
+              <a:ahLst/>
+              <a:cxnLst/>
+              <a:rect l="0" t="0" r="r" b="b"/>
+              <a:pathLst>
+                <a:path w="1549" h="1017">
+                  <a:moveTo>
+                    <a:pt x="1025" y="1016"/>
+                  </a:moveTo>
+                  <a:cubicBezTo>
+                    <a:pt x="1223" y="971"/>
+                    <a:pt x="1549" y="857"/>
+                    <a:pt x="1443" y="592"/>
+                  </a:cubicBezTo>
+                  <a:cubicBezTo>
+                    <a:pt x="1344" y="344"/>
+                    <a:pt x="1041" y="111"/>
+                    <a:pt x="782" y="53"/>
+                  </a:cubicBezTo>
+                  <a:cubicBezTo>
+                    <a:pt x="545" y="0"/>
+                    <a:pt x="275" y="117"/>
+                    <a:pt x="150" y="329"/>
+                  </a:cubicBezTo>
+                  <a:cubicBezTo>
+                    <a:pt x="0" y="584"/>
+                    <a:pt x="243" y="911"/>
+                    <a:pt x="477" y="1017"/>
+                  </a:cubicBezTo>
+                </a:path>
+              </a:pathLst>
+            </a:custGeom>
+            <a:noFill/>
+            <a:ln w="9525" cap="flat">
+              <a:solidFill>
+                <a:schemeClr val="tx1">
+                  <a:alpha val="20000"/>
+                </a:schemeClr>
+              </a:solidFill>
+              <a:prstDash val="solid"/>
+              <a:miter lim="800000"/>
+              <a:headEnd/>
+              <a:tailEnd/>
+            </a:ln>
+            <a:extLst>
+              <a:ext uri="{909E8E84-426E-40DD-AFC4-6F175D3DCCD1}">
+                <a14:hiddenFill xmlns:a14="http://schemas.microsoft.com/office/drawing/2010/main">
+                  <a:solidFill>
+                    <a:srgbClr val="FFFFFF"/>
+                  </a:solidFill>
+                </a14:hiddenFill>
+              </a:ext>
+            </a:extLst>
+          </p:spPr>
+        </p:sp>
+        <p:sp>
+          <p:nvSpPr>
+            <p:cNvPr id="13" name="Freeform 7">
+              <a:extLst>
+                <a:ext uri="{FF2B5EF4-FFF2-40B4-BE49-F238E27FC236}">
+                  <a16:creationId xmlns:a16="http://schemas.microsoft.com/office/drawing/2014/main" id="{1D9B95CD-F023-4DFA-9678-1E02713F74B7}"/>
+                </a:ext>
+                <a:ext uri="{C183D7F6-B498-43B3-948B-1728B52AA6E4}">
+                  <adec:decorative xmlns:adec="http://schemas.microsoft.com/office/drawing/2017/decorative" val="1"/>
+                </a:ext>
+              </a:extLst>
+            </p:cNvPr>
+            <p:cNvSpPr/>
+            <p:nvPr>
+              <p:extLst>
+                <p:ext uri="{386F3935-93C4-4BCD-93E2-E3B085C9AB24}">
+                  <p16:designElem xmlns:p16="http://schemas.microsoft.com/office/powerpoint/2015/main" val="1"/>
+                </p:ext>
+              </p:extLst>
+            </p:nvPr>
+          </p:nvSpPr>
+          <p:spPr bwMode="auto">
+            <a:xfrm>
+              <a:off x="251351" y="1788400"/>
+              <a:ext cx="8035925" cy="5083516"/>
+            </a:xfrm>
+            <a:custGeom>
+              <a:avLst/>
+              <a:gdLst/>
+              <a:ahLst/>
+              <a:cxnLst/>
+              <a:rect l="0" t="0" r="r" b="b"/>
+              <a:pathLst>
+                <a:path w="1688" h="1066">
+                  <a:moveTo>
+                    <a:pt x="1302" y="1066"/>
+                  </a:moveTo>
+                  <a:cubicBezTo>
+                    <a:pt x="1416" y="1024"/>
+                    <a:pt x="1551" y="962"/>
+                    <a:pt x="1613" y="850"/>
+                  </a:cubicBezTo>
+                  <a:cubicBezTo>
+                    <a:pt x="1688" y="715"/>
+                    <a:pt x="1606" y="575"/>
+                    <a:pt x="1517" y="471"/>
+                  </a:cubicBezTo>
+                  <a:cubicBezTo>
+                    <a:pt x="1336" y="258"/>
+                    <a:pt x="1084" y="62"/>
+                    <a:pt x="798" y="28"/>
+                  </a:cubicBezTo>
+                  <a:cubicBezTo>
+                    <a:pt x="559" y="0"/>
+                    <a:pt x="317" y="138"/>
+                    <a:pt x="181" y="333"/>
+                  </a:cubicBezTo>
+                  <a:cubicBezTo>
+                    <a:pt x="0" y="592"/>
+                    <a:pt x="191" y="907"/>
+                    <a:pt x="420" y="1066"/>
+                  </a:cubicBezTo>
+                </a:path>
+              </a:pathLst>
+            </a:custGeom>
+            <a:noFill/>
+            <a:ln w="9525" cap="flat">
+              <a:solidFill>
+                <a:schemeClr val="tx1">
+                  <a:alpha val="20000"/>
+                </a:schemeClr>
+              </a:solidFill>
+              <a:prstDash val="dash"/>
+              <a:miter lim="800000"/>
+              <a:headEnd/>
+              <a:tailEnd/>
+            </a:ln>
+            <a:extLst>
+              <a:ext uri="{909E8E84-426E-40DD-AFC4-6F175D3DCCD1}">
+                <a14:hiddenFill xmlns:a14="http://schemas.microsoft.com/office/drawing/2010/main">
+                  <a:solidFill>
+                    <a:srgbClr val="FFFFFF"/>
+                  </a:solidFill>
+                </a14:hiddenFill>
+              </a:ext>
+            </a:extLst>
+          </p:spPr>
+        </p:sp>
+        <p:sp>
+          <p:nvSpPr>
+            <p:cNvPr id="14" name="Freeform 8">
+              <a:extLst>
+                <a:ext uri="{FF2B5EF4-FFF2-40B4-BE49-F238E27FC236}">
+                  <a16:creationId xmlns:a16="http://schemas.microsoft.com/office/drawing/2014/main" id="{1DDF47A8-BE7B-43F3-A500-F5A4656D83BE}"/>
+                </a:ext>
+                <a:ext uri="{C183D7F6-B498-43B3-948B-1728B52AA6E4}">
+                  <adec:decorative xmlns:adec="http://schemas.microsoft.com/office/drawing/2017/decorative" val="1"/>
+                </a:ext>
+              </a:extLst>
+            </p:cNvPr>
+            <p:cNvSpPr/>
+            <p:nvPr>
+              <p:extLst>
+                <p:ext uri="{386F3935-93C4-4BCD-93E2-E3B085C9AB24}">
+                  <p16:designElem xmlns:p16="http://schemas.microsoft.com/office/powerpoint/2015/main" val="1"/>
+                </p:ext>
+              </p:extLst>
+            </p:nvPr>
+          </p:nvSpPr>
+          <p:spPr bwMode="auto">
+            <a:xfrm>
+              <a:off x="-1061" y="549842"/>
+              <a:ext cx="10334625" cy="6322075"/>
+            </a:xfrm>
+            <a:custGeom>
+              <a:avLst/>
+              <a:gdLst/>
+              <a:ahLst/>
+              <a:cxnLst/>
+              <a:rect l="0" t="0" r="r" b="b"/>
+              <a:pathLst>
+                <a:path w="2171" h="1326">
+                  <a:moveTo>
+                    <a:pt x="1873" y="1326"/>
+                  </a:moveTo>
+                  <a:cubicBezTo>
+                    <a:pt x="2171" y="1045"/>
+                    <a:pt x="1825" y="678"/>
+                    <a:pt x="1609" y="473"/>
+                  </a:cubicBezTo>
+                  <a:cubicBezTo>
+                    <a:pt x="1406" y="281"/>
+                    <a:pt x="1159" y="116"/>
+                    <a:pt x="880" y="63"/>
+                  </a:cubicBezTo>
+                  <a:cubicBezTo>
+                    <a:pt x="545" y="0"/>
+                    <a:pt x="214" y="161"/>
+                    <a:pt x="0" y="423"/>
+                  </a:cubicBezTo>
+                </a:path>
+              </a:pathLst>
+            </a:custGeom>
+            <a:noFill/>
+            <a:ln w="9525" cap="flat">
+              <a:solidFill>
+                <a:schemeClr val="tx1">
+                  <a:alpha val="20000"/>
+                </a:schemeClr>
+              </a:solidFill>
+              <a:prstDash val="solid"/>
+              <a:miter lim="800000"/>
+              <a:headEnd/>
+              <a:tailEnd/>
+            </a:ln>
+            <a:extLst>
+              <a:ext uri="{909E8E84-426E-40DD-AFC4-6F175D3DCCD1}">
+                <a14:hiddenFill xmlns:a14="http://schemas.microsoft.com/office/drawing/2010/main">
+                  <a:solidFill>
+                    <a:srgbClr val="FFFFFF"/>
+                  </a:solidFill>
+                </a14:hiddenFill>
+              </a:ext>
+            </a:extLst>
+          </p:spPr>
+        </p:sp>
+        <p:sp>
+          <p:nvSpPr>
+            <p:cNvPr id="15" name="Freeform 9">
+              <a:extLst>
+                <a:ext uri="{FF2B5EF4-FFF2-40B4-BE49-F238E27FC236}">
+                  <a16:creationId xmlns:a16="http://schemas.microsoft.com/office/drawing/2014/main" id="{2DD394DE-76FB-42F8-85F2-FD436F423263}"/>
+                </a:ext>
+                <a:ext uri="{C183D7F6-B498-43B3-948B-1728B52AA6E4}">
+                  <adec:decorative xmlns:adec="http://schemas.microsoft.com/office/drawing/2017/decorative" val="1"/>
+                </a:ext>
+              </a:extLst>
+            </p:cNvPr>
+            <p:cNvSpPr/>
+            <p:nvPr>
+              <p:extLst>
+                <p:ext uri="{386F3935-93C4-4BCD-93E2-E3B085C9AB24}">
+                  <p16:designElem xmlns:p16="http://schemas.microsoft.com/office/powerpoint/2015/main" val="1"/>
+                </p:ext>
+              </p:extLst>
+            </p:nvPr>
+          </p:nvSpPr>
+          <p:spPr bwMode="auto">
+            <a:xfrm>
+              <a:off x="3701" y="6186246"/>
+              <a:ext cx="504825" cy="681527"/>
+            </a:xfrm>
+            <a:custGeom>
+              <a:avLst/>
+              <a:gdLst/>
+              <a:ahLst/>
+              <a:cxnLst/>
+              <a:rect l="0" t="0" r="r" b="b"/>
+              <a:pathLst>
+                <a:path w="106" h="143">
+                  <a:moveTo>
+                    <a:pt x="0" y="0"/>
+                  </a:moveTo>
+                  <a:cubicBezTo>
+                    <a:pt x="35" y="54"/>
+                    <a:pt x="70" y="101"/>
+                    <a:pt x="106" y="143"/>
+                  </a:cubicBezTo>
+                </a:path>
+              </a:pathLst>
+            </a:custGeom>
+            <a:noFill/>
+            <a:ln w="4763" cap="flat">
+              <a:solidFill>
+                <a:schemeClr val="tx1">
+                  <a:alpha val="20000"/>
+                </a:schemeClr>
+              </a:solidFill>
+              <a:prstDash val="solid"/>
+              <a:miter lim="800000"/>
+              <a:headEnd/>
+              <a:tailEnd/>
+            </a:ln>
+            <a:extLst>
+              <a:ext uri="{909E8E84-426E-40DD-AFC4-6F175D3DCCD1}">
+                <a14:hiddenFill xmlns:a14="http://schemas.microsoft.com/office/drawing/2010/main">
+                  <a:solidFill>
+                    <a:srgbClr val="FFFFFF"/>
+                  </a:solidFill>
+                </a14:hiddenFill>
+              </a:ext>
+            </a:extLst>
+          </p:spPr>
+        </p:sp>
+        <p:sp>
+          <p:nvSpPr>
+            <p:cNvPr id="16" name="Freeform 10">
+              <a:extLst>
+                <a:ext uri="{FF2B5EF4-FFF2-40B4-BE49-F238E27FC236}">
+                  <a16:creationId xmlns:a16="http://schemas.microsoft.com/office/drawing/2014/main" id="{B95F2EFB-87E6-4400-AAF3-7EB8B4F1561C}"/>
+                </a:ext>
+                <a:ext uri="{C183D7F6-B498-43B3-948B-1728B52AA6E4}">
+                  <adec:decorative xmlns:adec="http://schemas.microsoft.com/office/drawing/2017/decorative" val="1"/>
+                </a:ext>
+              </a:extLst>
+            </p:cNvPr>
+            <p:cNvSpPr/>
+            <p:nvPr>
+              <p:extLst>
+                <p:ext uri="{386F3935-93C4-4BCD-93E2-E3B085C9AB24}">
+                  <p16:designElem xmlns:p16="http://schemas.microsoft.com/office/powerpoint/2015/main" val="1"/>
+                </p:ext>
+              </p:extLst>
+            </p:nvPr>
+          </p:nvSpPr>
+          <p:spPr bwMode="auto">
+            <a:xfrm>
+              <a:off x="-1061" y="-51881"/>
+              <a:ext cx="11091863" cy="6923796"/>
+            </a:xfrm>
+            <a:custGeom>
+              <a:avLst/>
+              <a:gdLst/>
+              <a:ahLst/>
+              <a:cxnLst/>
+              <a:rect l="0" t="0" r="r" b="b"/>
+              <a:pathLst>
+                <a:path w="2330" h="1452">
+                  <a:moveTo>
+                    <a:pt x="2046" y="1452"/>
+                  </a:moveTo>
+                  <a:cubicBezTo>
+                    <a:pt x="2330" y="1153"/>
+                    <a:pt x="2049" y="821"/>
+                    <a:pt x="1813" y="601"/>
+                  </a:cubicBezTo>
+                  <a:cubicBezTo>
+                    <a:pt x="1569" y="375"/>
+                    <a:pt x="1282" y="179"/>
+                    <a:pt x="956" y="97"/>
+                  </a:cubicBezTo>
+                  <a:cubicBezTo>
+                    <a:pt x="572" y="0"/>
+                    <a:pt x="292" y="101"/>
+                    <a:pt x="0" y="366"/>
+                  </a:cubicBezTo>
+                </a:path>
+              </a:pathLst>
+            </a:custGeom>
+            <a:noFill/>
+            <a:ln w="9525" cap="flat">
+              <a:solidFill>
+                <a:schemeClr val="tx1">
+                  <a:alpha val="20000"/>
+                </a:schemeClr>
+              </a:solidFill>
+              <a:prstDash val="solid"/>
+              <a:miter lim="800000"/>
+              <a:headEnd/>
+              <a:tailEnd/>
+            </a:ln>
+            <a:extLst>
+              <a:ext uri="{909E8E84-426E-40DD-AFC4-6F175D3DCCD1}">
+                <a14:hiddenFill xmlns:a14="http://schemas.microsoft.com/office/drawing/2010/main">
+                  <a:solidFill>
+                    <a:srgbClr val="FFFFFF"/>
+                  </a:solidFill>
+                </a14:hiddenFill>
+              </a:ext>
+            </a:extLst>
+          </p:spPr>
+        </p:sp>
+        <p:sp>
+          <p:nvSpPr>
+            <p:cNvPr id="17" name="Freeform 11">
+              <a:extLst>
+                <a:ext uri="{FF2B5EF4-FFF2-40B4-BE49-F238E27FC236}">
+                  <a16:creationId xmlns:a16="http://schemas.microsoft.com/office/drawing/2014/main" id="{1D463476-2BC7-418C-9D6F-51444B11A722}"/>
+                </a:ext>
+                <a:ext uri="{C183D7F6-B498-43B3-948B-1728B52AA6E4}">
+                  <adec:decorative xmlns:adec="http://schemas.microsoft.com/office/drawing/2017/decorative" val="1"/>
+                </a:ext>
+              </a:extLst>
+            </p:cNvPr>
+            <p:cNvSpPr/>
+            <p:nvPr>
+              <p:extLst>
+                <p:ext uri="{386F3935-93C4-4BCD-93E2-E3B085C9AB24}">
+                  <p16:designElem xmlns:p16="http://schemas.microsoft.com/office/powerpoint/2015/main" val="1"/>
+                </p:ext>
+              </p:extLst>
+            </p:nvPr>
+          </p:nvSpPr>
+          <p:spPr bwMode="auto">
+            <a:xfrm>
+              <a:off x="5426601" y="5579"/>
+              <a:ext cx="5788025" cy="6847184"/>
+            </a:xfrm>
+            <a:custGeom>
+              <a:avLst/>
+              <a:gdLst/>
+              <a:ahLst/>
+              <a:cxnLst/>
+              <a:rect l="0" t="0" r="r" b="b"/>
+              <a:pathLst>
+                <a:path w="1216" h="1436">
+                  <a:moveTo>
+                    <a:pt x="1094" y="1436"/>
+                  </a:moveTo>
+                  <a:cubicBezTo>
+                    <a:pt x="1216" y="1114"/>
+                    <a:pt x="904" y="770"/>
+                    <a:pt x="709" y="551"/>
+                  </a:cubicBezTo>
+                  <a:cubicBezTo>
+                    <a:pt x="509" y="327"/>
+                    <a:pt x="274" y="127"/>
+                    <a:pt x="0" y="0"/>
+                  </a:cubicBezTo>
+                </a:path>
+              </a:pathLst>
+            </a:custGeom>
+            <a:noFill/>
+            <a:ln w="9525" cap="flat">
+              <a:solidFill>
+                <a:schemeClr val="tx1">
+                  <a:alpha val="20000"/>
+                </a:schemeClr>
+              </a:solidFill>
+              <a:prstDash val="solid"/>
+              <a:miter lim="800000"/>
+              <a:headEnd/>
+              <a:tailEnd/>
+            </a:ln>
+            <a:extLst>
+              <a:ext uri="{909E8E84-426E-40DD-AFC4-6F175D3DCCD1}">
+                <a14:hiddenFill xmlns:a14="http://schemas.microsoft.com/office/drawing/2010/main">
+                  <a:solidFill>
+                    <a:srgbClr val="FFFFFF"/>
+                  </a:solidFill>
+                </a14:hiddenFill>
+              </a:ext>
+            </a:extLst>
+          </p:spPr>
+        </p:sp>
+        <p:sp>
+          <p:nvSpPr>
+            <p:cNvPr id="18" name="Freeform 12">
+              <a:extLst>
+                <a:ext uri="{FF2B5EF4-FFF2-40B4-BE49-F238E27FC236}">
+                  <a16:creationId xmlns:a16="http://schemas.microsoft.com/office/drawing/2014/main" id="{24011122-2495-478A-81BF-ABBDEA1DA803}"/>
+                </a:ext>
+                <a:ext uri="{C183D7F6-B498-43B3-948B-1728B52AA6E4}">
+                  <adec:decorative xmlns:adec="http://schemas.microsoft.com/office/drawing/2017/decorative" val="1"/>
+                </a:ext>
+              </a:extLst>
+            </p:cNvPr>
+            <p:cNvSpPr/>
+            <p:nvPr>
+              <p:extLst>
+                <p:ext uri="{386F3935-93C4-4BCD-93E2-E3B085C9AB24}">
+                  <p16:designElem xmlns:p16="http://schemas.microsoft.com/office/powerpoint/2015/main" val="1"/>
+                </p:ext>
+              </p:extLst>
+            </p:nvPr>
+          </p:nvSpPr>
+          <p:spPr bwMode="auto">
+            <a:xfrm>
+              <a:off x="-1061" y="5579"/>
+              <a:ext cx="1057275" cy="614491"/>
+            </a:xfrm>
+            <a:custGeom>
+              <a:avLst/>
+              <a:gdLst/>
+              <a:ahLst/>
+              <a:cxnLst/>
+              <a:rect l="0" t="0" r="r" b="b"/>
+              <a:pathLst>
+                <a:path w="222" h="129">
+                  <a:moveTo>
+                    <a:pt x="222" y="0"/>
+                  </a:moveTo>
+                  <a:cubicBezTo>
+                    <a:pt x="152" y="35"/>
+                    <a:pt x="76" y="78"/>
+                    <a:pt x="0" y="129"/>
+                  </a:cubicBezTo>
+                </a:path>
+              </a:pathLst>
+            </a:custGeom>
+            <a:noFill/>
+            <a:ln w="9525" cap="flat">
+              <a:solidFill>
+                <a:schemeClr val="tx1">
+                  <a:alpha val="20000"/>
+                </a:schemeClr>
+              </a:solidFill>
+              <a:prstDash val="solid"/>
+              <a:miter lim="800000"/>
+              <a:headEnd/>
+              <a:tailEnd/>
+            </a:ln>
+            <a:extLst>
+              <a:ext uri="{909E8E84-426E-40DD-AFC4-6F175D3DCCD1}">
+                <a14:hiddenFill xmlns:a14="http://schemas.microsoft.com/office/drawing/2010/main">
+                  <a:solidFill>
+                    <a:srgbClr val="FFFFFF"/>
+                  </a:solidFill>
+                </a14:hiddenFill>
+              </a:ext>
+            </a:extLst>
+          </p:spPr>
+        </p:sp>
+        <p:sp>
+          <p:nvSpPr>
+            <p:cNvPr id="19" name="Freeform 13">
+              <a:extLst>
+                <a:ext uri="{FF2B5EF4-FFF2-40B4-BE49-F238E27FC236}">
+                  <a16:creationId xmlns:a16="http://schemas.microsoft.com/office/drawing/2014/main" id="{C79E87C5-E5B3-476B-B539-FC9CF4A33B72}"/>
+                </a:ext>
+                <a:ext uri="{C183D7F6-B498-43B3-948B-1728B52AA6E4}">
+                  <adec:decorative xmlns:adec="http://schemas.microsoft.com/office/drawing/2017/decorative" val="1"/>
+                </a:ext>
+              </a:extLst>
+            </p:cNvPr>
+            <p:cNvSpPr/>
+            <p:nvPr>
+              <p:extLst>
+                <p:ext uri="{386F3935-93C4-4BCD-93E2-E3B085C9AB24}">
+                  <p16:designElem xmlns:p16="http://schemas.microsoft.com/office/powerpoint/2015/main" val="1"/>
+                </p:ext>
+              </p:extLst>
+            </p:nvPr>
+          </p:nvSpPr>
+          <p:spPr bwMode="auto">
+            <a:xfrm>
+              <a:off x="5821889" y="5579"/>
+              <a:ext cx="5588000" cy="6866337"/>
+            </a:xfrm>
+            <a:custGeom>
+              <a:avLst/>
+              <a:gdLst/>
+              <a:ahLst/>
+              <a:cxnLst/>
+              <a:rect l="0" t="0" r="r" b="b"/>
+              <a:pathLst>
+                <a:path w="1174" h="1440">
+                  <a:moveTo>
+                    <a:pt x="1067" y="1440"/>
+                  </a:moveTo>
+                  <a:cubicBezTo>
+                    <a:pt x="1174" y="1124"/>
+                    <a:pt x="887" y="797"/>
+                    <a:pt x="698" y="577"/>
+                  </a:cubicBezTo>
+                  <a:cubicBezTo>
+                    <a:pt x="500" y="348"/>
+                    <a:pt x="270" y="141"/>
+                    <a:pt x="0" y="0"/>
+                  </a:cubicBezTo>
+                </a:path>
+              </a:pathLst>
+            </a:custGeom>
+            <a:noFill/>
+            <a:ln w="9525" cap="flat">
+              <a:solidFill>
+                <a:schemeClr val="tx1">
+                  <a:alpha val="20000"/>
+                </a:schemeClr>
+              </a:solidFill>
+              <a:prstDash val="dash"/>
+              <a:miter lim="800000"/>
+              <a:headEnd/>
+              <a:tailEnd/>
+            </a:ln>
+            <a:extLst>
+              <a:ext uri="{909E8E84-426E-40DD-AFC4-6F175D3DCCD1}">
+                <a14:hiddenFill xmlns:a14="http://schemas.microsoft.com/office/drawing/2010/main">
+                  <a:solidFill>
+                    <a:srgbClr val="FFFFFF"/>
+                  </a:solidFill>
+                </a14:hiddenFill>
+              </a:ext>
+            </a:extLst>
+          </p:spPr>
+        </p:sp>
+        <p:sp>
+          <p:nvSpPr>
+            <p:cNvPr id="20" name="Freeform 14">
+              <a:extLst>
+                <a:ext uri="{FF2B5EF4-FFF2-40B4-BE49-F238E27FC236}">
+                  <a16:creationId xmlns:a16="http://schemas.microsoft.com/office/drawing/2014/main" id="{956029CA-2B38-434D-9044-5FF3A1ECD17D}"/>
+                </a:ext>
+                <a:ext uri="{C183D7F6-B498-43B3-948B-1728B52AA6E4}">
+                  <adec:decorative xmlns:adec="http://schemas.microsoft.com/office/drawing/2017/decorative" val="1"/>
+                </a:ext>
+              </a:extLst>
+            </p:cNvPr>
+            <p:cNvSpPr/>
+            <p:nvPr>
+              <p:extLst>
+                <p:ext uri="{386F3935-93C4-4BCD-93E2-E3B085C9AB24}">
+                  <p16:designElem xmlns:p16="http://schemas.microsoft.com/office/powerpoint/2015/main" val="1"/>
+                </p:ext>
+              </p:extLst>
+            </p:nvPr>
+          </p:nvSpPr>
+          <p:spPr bwMode="auto">
+            <a:xfrm>
+              <a:off x="3701" y="790"/>
+              <a:ext cx="595313" cy="352734"/>
+            </a:xfrm>
+            <a:custGeom>
+              <a:avLst/>
+              <a:gdLst/>
+              <a:ahLst/>
+              <a:cxnLst/>
+              <a:rect l="0" t="0" r="r" b="b"/>
+              <a:pathLst>
+                <a:path w="125" h="74">
+                  <a:moveTo>
+                    <a:pt x="125" y="0"/>
+                  </a:moveTo>
+                  <a:cubicBezTo>
+                    <a:pt x="85" y="22"/>
+                    <a:pt x="43" y="47"/>
+                    <a:pt x="0" y="74"/>
+                  </a:cubicBezTo>
+                </a:path>
+              </a:pathLst>
+            </a:custGeom>
+            <a:noFill/>
+            <a:ln w="9525" cap="flat">
+              <a:solidFill>
+                <a:schemeClr val="tx1">
+                  <a:alpha val="20000"/>
+                </a:schemeClr>
+              </a:solidFill>
+              <a:prstDash val="dash"/>
+              <a:miter lim="800000"/>
+              <a:headEnd/>
+              <a:tailEnd/>
+            </a:ln>
+            <a:extLst>
+              <a:ext uri="{909E8E84-426E-40DD-AFC4-6F175D3DCCD1}">
+                <a14:hiddenFill xmlns:a14="http://schemas.microsoft.com/office/drawing/2010/main">
+                  <a:solidFill>
+                    <a:srgbClr val="FFFFFF"/>
+                  </a:solidFill>
+                </a14:hiddenFill>
+              </a:ext>
+            </a:extLst>
+          </p:spPr>
+        </p:sp>
+        <p:sp>
+          <p:nvSpPr>
+            <p:cNvPr id="21" name="Freeform 15">
+              <a:extLst>
+                <a:ext uri="{FF2B5EF4-FFF2-40B4-BE49-F238E27FC236}">
+                  <a16:creationId xmlns:a16="http://schemas.microsoft.com/office/drawing/2014/main" id="{9514CFB6-E8DB-43DC-B1CD-9CC2D4B27647}"/>
+                </a:ext>
+                <a:ext uri="{C183D7F6-B498-43B3-948B-1728B52AA6E4}">
+                  <adec:decorative xmlns:adec="http://schemas.microsoft.com/office/drawing/2017/decorative" val="1"/>
+                </a:ext>
+              </a:extLst>
+            </p:cNvPr>
+            <p:cNvSpPr/>
+            <p:nvPr>
+              <p:extLst>
+                <p:ext uri="{386F3935-93C4-4BCD-93E2-E3B085C9AB24}">
+                  <p16:designElem xmlns:p16="http://schemas.microsoft.com/office/powerpoint/2015/main" val="1"/>
+                </p:ext>
+              </p:extLst>
+            </p:nvPr>
+          </p:nvSpPr>
+          <p:spPr bwMode="auto">
+            <a:xfrm>
+              <a:off x="6012389" y="5579"/>
+              <a:ext cx="5497513" cy="6866337"/>
+            </a:xfrm>
+            <a:custGeom>
+              <a:avLst/>
+              <a:gdLst/>
+              <a:ahLst/>
+              <a:cxnLst/>
+              <a:rect l="0" t="0" r="r" b="b"/>
+              <a:pathLst>
+                <a:path w="1155" h="1440">
+                  <a:moveTo>
+                    <a:pt x="1056" y="1440"/>
+                  </a:moveTo>
+                  <a:cubicBezTo>
+                    <a:pt x="1155" y="1123"/>
+                    <a:pt x="875" y="801"/>
+                    <a:pt x="686" y="580"/>
+                  </a:cubicBezTo>
+                  <a:cubicBezTo>
+                    <a:pt x="491" y="352"/>
+                    <a:pt x="264" y="145"/>
+                    <a:pt x="0" y="0"/>
+                  </a:cubicBezTo>
+                </a:path>
+              </a:pathLst>
+            </a:custGeom>
+            <a:noFill/>
+            <a:ln w="12700" cap="flat">
+              <a:solidFill>
+                <a:schemeClr val="tx1">
+                  <a:alpha val="20000"/>
+                </a:schemeClr>
+              </a:solidFill>
+              <a:prstDash val="dashDot"/>
+              <a:miter lim="800000"/>
+              <a:headEnd/>
+              <a:tailEnd/>
+            </a:ln>
+            <a:extLst>
+              <a:ext uri="{909E8E84-426E-40DD-AFC4-6F175D3DCCD1}">
+                <a14:hiddenFill xmlns:a14="http://schemas.microsoft.com/office/drawing/2010/main">
+                  <a:solidFill>
+                    <a:srgbClr val="FFFFFF"/>
+                  </a:solidFill>
+                </a14:hiddenFill>
+              </a:ext>
+            </a:extLst>
+          </p:spPr>
+        </p:sp>
+        <p:sp>
+          <p:nvSpPr>
+            <p:cNvPr id="22" name="Freeform 16">
+              <a:extLst>
+                <a:ext uri="{FF2B5EF4-FFF2-40B4-BE49-F238E27FC236}">
+                  <a16:creationId xmlns:a16="http://schemas.microsoft.com/office/drawing/2014/main" id="{BD8C1FC8-E550-45BE-9F30-822BAB3781EE}"/>
+                </a:ext>
+                <a:ext uri="{C183D7F6-B498-43B3-948B-1728B52AA6E4}">
+                  <adec:decorative xmlns:adec="http://schemas.microsoft.com/office/drawing/2017/decorative" val="1"/>
+                </a:ext>
+              </a:extLst>
+            </p:cNvPr>
+            <p:cNvSpPr/>
+            <p:nvPr>
+              <p:extLst>
+                <p:ext uri="{386F3935-93C4-4BCD-93E2-E3B085C9AB24}">
+                  <p16:designElem xmlns:p16="http://schemas.microsoft.com/office/powerpoint/2015/main" val="1"/>
+                </p:ext>
+              </p:extLst>
+            </p:nvPr>
+          </p:nvSpPr>
+          <p:spPr bwMode="auto">
+            <a:xfrm>
+              <a:off x="-1061" y="5579"/>
+              <a:ext cx="357188" cy="213875"/>
+            </a:xfrm>
+            <a:custGeom>
+              <a:avLst/>
+              <a:gdLst/>
+              <a:ahLst/>
+              <a:cxnLst/>
+              <a:rect l="0" t="0" r="r" b="b"/>
+              <a:pathLst>
+                <a:path w="75" h="45">
+                  <a:moveTo>
+                    <a:pt x="75" y="0"/>
+                  </a:moveTo>
+                  <a:cubicBezTo>
+                    <a:pt x="50" y="14"/>
+                    <a:pt x="25" y="29"/>
+                    <a:pt x="0" y="45"/>
+                  </a:cubicBezTo>
+                </a:path>
+              </a:pathLst>
+            </a:custGeom>
+            <a:noFill/>
+            <a:ln w="12700" cap="flat">
+              <a:solidFill>
+                <a:schemeClr val="tx1">
+                  <a:alpha val="20000"/>
+                </a:schemeClr>
+              </a:solidFill>
+              <a:prstDash val="dashDot"/>
+              <a:miter lim="800000"/>
+              <a:headEnd/>
+              <a:tailEnd/>
+            </a:ln>
+            <a:extLst>
+              <a:ext uri="{909E8E84-426E-40DD-AFC4-6F175D3DCCD1}">
+                <a14:hiddenFill xmlns:a14="http://schemas.microsoft.com/office/drawing/2010/main">
+                  <a:solidFill>
+                    <a:srgbClr val="FFFFFF"/>
+                  </a:solidFill>
+                </a14:hiddenFill>
+              </a:ext>
+            </a:extLst>
+          </p:spPr>
+        </p:sp>
+        <p:sp>
+          <p:nvSpPr>
+            <p:cNvPr id="23" name="Freeform 17">
+              <a:extLst>
+                <a:ext uri="{FF2B5EF4-FFF2-40B4-BE49-F238E27FC236}">
+                  <a16:creationId xmlns:a16="http://schemas.microsoft.com/office/drawing/2014/main" id="{D1646B5D-A7B7-41EC-9591-0E0C0F4F949D}"/>
+                </a:ext>
+                <a:ext uri="{C183D7F6-B498-43B3-948B-1728B52AA6E4}">
+                  <adec:decorative xmlns:adec="http://schemas.microsoft.com/office/drawing/2017/decorative" val="1"/>
+                </a:ext>
+              </a:extLst>
+            </p:cNvPr>
+            <p:cNvSpPr/>
+            <p:nvPr>
+              <p:extLst>
+                <p:ext uri="{386F3935-93C4-4BCD-93E2-E3B085C9AB24}">
+                  <p16:designElem xmlns:p16="http://schemas.microsoft.com/office/powerpoint/2015/main" val="1"/>
+                </p:ext>
+              </p:extLst>
+            </p:nvPr>
+          </p:nvSpPr>
+          <p:spPr bwMode="auto">
+            <a:xfrm>
+              <a:off x="6210826" y="790"/>
+              <a:ext cx="5522913" cy="6871126"/>
+            </a:xfrm>
+            <a:custGeom>
+              <a:avLst/>
+              <a:gdLst/>
+              <a:ahLst/>
+              <a:cxnLst/>
+              <a:rect l="0" t="0" r="r" b="b"/>
+              <a:pathLst>
+                <a:path w="1160" h="1441">
+                  <a:moveTo>
+                    <a:pt x="1053" y="1441"/>
+                  </a:moveTo>
+                  <a:cubicBezTo>
+                    <a:pt x="1160" y="1129"/>
+                    <a:pt x="892" y="817"/>
+                    <a:pt x="705" y="599"/>
+                  </a:cubicBezTo>
+                  <a:cubicBezTo>
+                    <a:pt x="503" y="365"/>
+                    <a:pt x="270" y="152"/>
+                    <a:pt x="0" y="0"/>
+                  </a:cubicBezTo>
+                </a:path>
+              </a:pathLst>
+            </a:custGeom>
+            <a:noFill/>
+            <a:ln w="9525" cap="flat">
+              <a:solidFill>
+                <a:schemeClr val="tx1">
+                  <a:alpha val="20000"/>
+                </a:schemeClr>
+              </a:solidFill>
+              <a:prstDash val="solid"/>
+              <a:miter lim="800000"/>
+              <a:headEnd/>
+              <a:tailEnd/>
+            </a:ln>
+            <a:extLst>
+              <a:ext uri="{909E8E84-426E-40DD-AFC4-6F175D3DCCD1}">
+                <a14:hiddenFill xmlns:a14="http://schemas.microsoft.com/office/drawing/2010/main">
+                  <a:solidFill>
+                    <a:srgbClr val="FFFFFF"/>
+                  </a:solidFill>
+                </a14:hiddenFill>
+              </a:ext>
+            </a:extLst>
+          </p:spPr>
+        </p:sp>
+        <p:sp>
+          <p:nvSpPr>
+            <p:cNvPr id="24" name="Freeform 18">
+              <a:extLst>
+                <a:ext uri="{FF2B5EF4-FFF2-40B4-BE49-F238E27FC236}">
+                  <a16:creationId xmlns:a16="http://schemas.microsoft.com/office/drawing/2014/main" id="{E2118E93-481E-4843-987E-378187AA37EF}"/>
+                </a:ext>
+                <a:ext uri="{C183D7F6-B498-43B3-948B-1728B52AA6E4}">
+                  <adec:decorative xmlns:adec="http://schemas.microsoft.com/office/drawing/2017/decorative" val="1"/>
+                </a:ext>
+              </a:extLst>
+            </p:cNvPr>
+            <p:cNvSpPr/>
+            <p:nvPr>
+              <p:extLst>
+                <p:ext uri="{386F3935-93C4-4BCD-93E2-E3B085C9AB24}">
+                  <p16:designElem xmlns:p16="http://schemas.microsoft.com/office/powerpoint/2015/main" val="1"/>
+                </p:ext>
+              </p:extLst>
+            </p:nvPr>
+          </p:nvSpPr>
+          <p:spPr bwMode="auto">
+            <a:xfrm>
+              <a:off x="6463239" y="5579"/>
+              <a:ext cx="5413375" cy="6866337"/>
+            </a:xfrm>
+            <a:custGeom>
+              <a:avLst/>
+              <a:gdLst/>
+              <a:ahLst/>
+              <a:cxnLst/>
+              <a:rect l="0" t="0" r="r" b="b"/>
+              <a:pathLst>
+                <a:path w="1137" h="1440">
+                  <a:moveTo>
+                    <a:pt x="1040" y="1440"/>
+                  </a:moveTo>
+                  <a:cubicBezTo>
+                    <a:pt x="1137" y="1131"/>
+                    <a:pt x="883" y="828"/>
+                    <a:pt x="698" y="611"/>
+                  </a:cubicBezTo>
+                  <a:cubicBezTo>
+                    <a:pt x="498" y="375"/>
+                    <a:pt x="268" y="159"/>
+                    <a:pt x="0" y="0"/>
+                  </a:cubicBezTo>
+                </a:path>
+              </a:pathLst>
+            </a:custGeom>
+            <a:noFill/>
+            <a:ln w="9525" cap="flat">
+              <a:solidFill>
+                <a:schemeClr val="tx1">
+                  <a:alpha val="20000"/>
+                </a:schemeClr>
+              </a:solidFill>
+              <a:prstDash val="solid"/>
+              <a:miter lim="800000"/>
+              <a:headEnd/>
+              <a:tailEnd/>
+            </a:ln>
+            <a:extLst>
+              <a:ext uri="{909E8E84-426E-40DD-AFC4-6F175D3DCCD1}">
+                <a14:hiddenFill xmlns:a14="http://schemas.microsoft.com/office/drawing/2010/main">
+                  <a:solidFill>
+                    <a:srgbClr val="FFFFFF"/>
+                  </a:solidFill>
+                </a14:hiddenFill>
+              </a:ext>
+            </a:extLst>
+          </p:spPr>
+        </p:sp>
+        <p:sp>
+          <p:nvSpPr>
+            <p:cNvPr id="25" name="Freeform 19">
+              <a:extLst>
+                <a:ext uri="{FF2B5EF4-FFF2-40B4-BE49-F238E27FC236}">
+                  <a16:creationId xmlns:a16="http://schemas.microsoft.com/office/drawing/2014/main" id="{77038464-F4E2-47EC-A87F-18469191E3AB}"/>
+                </a:ext>
+                <a:ext uri="{C183D7F6-B498-43B3-948B-1728B52AA6E4}">
+                  <adec:decorative xmlns:adec="http://schemas.microsoft.com/office/drawing/2017/decorative" val="1"/>
+                </a:ext>
+              </a:extLst>
+            </p:cNvPr>
+            <p:cNvSpPr/>
+            <p:nvPr>
+              <p:extLst>
+                <p:ext uri="{386F3935-93C4-4BCD-93E2-E3B085C9AB24}">
+                  <p16:designElem xmlns:p16="http://schemas.microsoft.com/office/powerpoint/2015/main" val="1"/>
+                </p:ext>
+              </p:extLst>
+            </p:nvPr>
+          </p:nvSpPr>
+          <p:spPr bwMode="auto">
+            <a:xfrm>
+              <a:off x="6877576" y="5579"/>
+              <a:ext cx="5037138" cy="6861550"/>
+            </a:xfrm>
+            <a:custGeom>
+              <a:avLst/>
+              <a:gdLst/>
+              <a:ahLst/>
+              <a:cxnLst/>
+              <a:rect l="0" t="0" r="r" b="b"/>
+              <a:pathLst>
+                <a:path w="1058" h="1439">
+                  <a:moveTo>
+                    <a:pt x="1011" y="1439"/>
+                  </a:moveTo>
+                  <a:cubicBezTo>
+                    <a:pt x="1058" y="1131"/>
+                    <a:pt x="825" y="841"/>
+                    <a:pt x="648" y="617"/>
+                  </a:cubicBezTo>
+                  <a:cubicBezTo>
+                    <a:pt x="462" y="383"/>
+                    <a:pt x="248" y="168"/>
+                    <a:pt x="0" y="0"/>
+                  </a:cubicBezTo>
+                </a:path>
+              </a:pathLst>
+            </a:custGeom>
+            <a:noFill/>
+            <a:ln w="9525" cap="flat">
+              <a:solidFill>
+                <a:schemeClr val="tx1">
+                  <a:alpha val="20000"/>
+                </a:schemeClr>
+              </a:solidFill>
+              <a:prstDash val="solid"/>
+              <a:miter lim="800000"/>
+              <a:headEnd/>
+              <a:tailEnd/>
+            </a:ln>
+            <a:extLst>
+              <a:ext uri="{909E8E84-426E-40DD-AFC4-6F175D3DCCD1}">
+                <a14:hiddenFill xmlns:a14="http://schemas.microsoft.com/office/drawing/2010/main">
+                  <a:solidFill>
+                    <a:srgbClr val="FFFFFF"/>
+                  </a:solidFill>
+                </a14:hiddenFill>
+              </a:ext>
+            </a:extLst>
+          </p:spPr>
+        </p:sp>
+        <p:sp>
+          <p:nvSpPr>
+            <p:cNvPr id="26" name="Freeform 20">
+              <a:extLst>
+                <a:ext uri="{FF2B5EF4-FFF2-40B4-BE49-F238E27FC236}">
+                  <a16:creationId xmlns:a16="http://schemas.microsoft.com/office/drawing/2014/main" id="{FB3BBEB1-E146-408F-95B7-EE2F269DE19E}"/>
+                </a:ext>
+                <a:ext uri="{C183D7F6-B498-43B3-948B-1728B52AA6E4}">
+                  <adec:decorative xmlns:adec="http://schemas.microsoft.com/office/drawing/2017/decorative" val="1"/>
+                </a:ext>
+              </a:extLst>
+            </p:cNvPr>
+            <p:cNvSpPr/>
+            <p:nvPr>
+              <p:extLst>
+                <p:ext uri="{386F3935-93C4-4BCD-93E2-E3B085C9AB24}">
+                  <p16:designElem xmlns:p16="http://schemas.microsoft.com/office/powerpoint/2015/main" val="1"/>
+                </p:ext>
+              </p:extLst>
+            </p:nvPr>
+          </p:nvSpPr>
+          <p:spPr bwMode="auto">
+            <a:xfrm>
+              <a:off x="8768289" y="5579"/>
+              <a:ext cx="3417888" cy="2742066"/>
+            </a:xfrm>
+            <a:custGeom>
+              <a:avLst/>
+              <a:gdLst/>
+              <a:ahLst/>
+              <a:cxnLst/>
+              <a:rect l="0" t="0" r="r" b="b"/>
+              <a:pathLst>
+                <a:path w="718" h="575">
+                  <a:moveTo>
+                    <a:pt x="718" y="575"/>
+                  </a:moveTo>
+                  <a:cubicBezTo>
+                    <a:pt x="500" y="360"/>
+                    <a:pt x="260" y="163"/>
+                    <a:pt x="0" y="0"/>
+                  </a:cubicBezTo>
+                </a:path>
+              </a:pathLst>
+            </a:custGeom>
+            <a:noFill/>
+            <a:ln w="9525" cap="flat">
+              <a:solidFill>
+                <a:schemeClr val="tx1">
+                  <a:alpha val="20000"/>
+                </a:schemeClr>
+              </a:solidFill>
+              <a:prstDash val="solid"/>
+              <a:miter lim="800000"/>
+              <a:headEnd/>
+              <a:tailEnd/>
+            </a:ln>
+            <a:extLst>
+              <a:ext uri="{909E8E84-426E-40DD-AFC4-6F175D3DCCD1}">
+                <a14:hiddenFill xmlns:a14="http://schemas.microsoft.com/office/drawing/2010/main">
+                  <a:solidFill>
+                    <a:srgbClr val="FFFFFF"/>
+                  </a:solidFill>
+                </a14:hiddenFill>
+              </a:ext>
+            </a:extLst>
+          </p:spPr>
+        </p:sp>
+        <p:sp>
+          <p:nvSpPr>
+            <p:cNvPr id="27" name="Freeform 21">
+              <a:extLst>
+                <a:ext uri="{FF2B5EF4-FFF2-40B4-BE49-F238E27FC236}">
+                  <a16:creationId xmlns:a16="http://schemas.microsoft.com/office/drawing/2014/main" id="{C765B285-56EC-47FC-B116-274EBBD61ADC}"/>
+                </a:ext>
+                <a:ext uri="{C183D7F6-B498-43B3-948B-1728B52AA6E4}">
+                  <adec:decorative xmlns:adec="http://schemas.microsoft.com/office/drawing/2017/decorative" val="1"/>
+                </a:ext>
+              </a:extLst>
+            </p:cNvPr>
+            <p:cNvSpPr/>
+            <p:nvPr>
+              <p:extLst>
+                <p:ext uri="{386F3935-93C4-4BCD-93E2-E3B085C9AB24}">
+                  <p16:designElem xmlns:p16="http://schemas.microsoft.com/office/powerpoint/2015/main" val="1"/>
+                </p:ext>
+              </p:extLst>
+            </p:nvPr>
+          </p:nvSpPr>
+          <p:spPr bwMode="auto">
+            <a:xfrm>
+              <a:off x="9235014" y="10367"/>
+              <a:ext cx="2951163" cy="2555325"/>
+            </a:xfrm>
+            <a:custGeom>
+              <a:avLst/>
+              <a:gdLst/>
+              <a:ahLst/>
+              <a:cxnLst/>
+              <a:rect l="0" t="0" r="r" b="b"/>
+              <a:pathLst>
+                <a:path w="620" h="536">
+                  <a:moveTo>
+                    <a:pt x="620" y="536"/>
+                  </a:moveTo>
+                  <a:cubicBezTo>
+                    <a:pt x="404" y="314"/>
+                    <a:pt x="196" y="138"/>
+                    <a:pt x="0" y="0"/>
+                  </a:cubicBezTo>
+                </a:path>
+              </a:pathLst>
+            </a:custGeom>
+            <a:noFill/>
+            <a:ln w="9525" cap="flat">
+              <a:solidFill>
+                <a:schemeClr val="tx1">
+                  <a:alpha val="20000"/>
+                </a:schemeClr>
+              </a:solidFill>
+              <a:prstDash val="solid"/>
+              <a:miter lim="800000"/>
+              <a:headEnd/>
+              <a:tailEnd/>
+            </a:ln>
+            <a:extLst>
+              <a:ext uri="{909E8E84-426E-40DD-AFC4-6F175D3DCCD1}">
+                <a14:hiddenFill xmlns:a14="http://schemas.microsoft.com/office/drawing/2010/main">
+                  <a:solidFill>
+                    <a:srgbClr val="FFFFFF"/>
+                  </a:solidFill>
+                </a14:hiddenFill>
+              </a:ext>
+            </a:extLst>
+          </p:spPr>
+        </p:sp>
+        <p:sp>
+          <p:nvSpPr>
+            <p:cNvPr id="28" name="Freeform 22">
+              <a:extLst>
+                <a:ext uri="{FF2B5EF4-FFF2-40B4-BE49-F238E27FC236}">
+                  <a16:creationId xmlns:a16="http://schemas.microsoft.com/office/drawing/2014/main" id="{CB4A6191-6913-42EA-905E-8A174AE2C994}"/>
+                </a:ext>
+                <a:ext uri="{C183D7F6-B498-43B3-948B-1728B52AA6E4}">
+                  <adec:decorative xmlns:adec="http://schemas.microsoft.com/office/drawing/2017/decorative" val="1"/>
+                </a:ext>
+              </a:extLst>
+            </p:cNvPr>
+            <p:cNvSpPr/>
+            <p:nvPr>
+              <p:extLst>
+                <p:ext uri="{386F3935-93C4-4BCD-93E2-E3B085C9AB24}">
+                  <p16:designElem xmlns:p16="http://schemas.microsoft.com/office/powerpoint/2015/main" val="1"/>
+                </p:ext>
+              </p:extLst>
+            </p:nvPr>
+          </p:nvSpPr>
+          <p:spPr bwMode="auto">
+            <a:xfrm>
+              <a:off x="10020826" y="5579"/>
+              <a:ext cx="2165350" cy="1358265"/>
+            </a:xfrm>
+            <a:custGeom>
+              <a:avLst/>
+              <a:gdLst/>
+              <a:ahLst/>
+              <a:cxnLst/>
+              <a:rect l="0" t="0" r="r" b="b"/>
+              <a:pathLst>
+                <a:path w="455" h="285">
+                  <a:moveTo>
+                    <a:pt x="0" y="0"/>
+                  </a:moveTo>
+                  <a:cubicBezTo>
+                    <a:pt x="153" y="85"/>
+                    <a:pt x="308" y="180"/>
+                    <a:pt x="455" y="285"/>
+                  </a:cubicBezTo>
+                </a:path>
+              </a:pathLst>
+            </a:custGeom>
+            <a:noFill/>
+            <a:ln w="9525" cap="flat">
+              <a:solidFill>
+                <a:schemeClr val="tx1">
+                  <a:alpha val="20000"/>
+                </a:schemeClr>
+              </a:solidFill>
+              <a:prstDash val="dash"/>
+              <a:miter lim="800000"/>
+              <a:headEnd/>
+              <a:tailEnd/>
+            </a:ln>
+            <a:extLst>
+              <a:ext uri="{909E8E84-426E-40DD-AFC4-6F175D3DCCD1}">
+                <a14:hiddenFill xmlns:a14="http://schemas.microsoft.com/office/drawing/2010/main">
+                  <a:solidFill>
+                    <a:srgbClr val="FFFFFF"/>
+                  </a:solidFill>
+                </a14:hiddenFill>
+              </a:ext>
+            </a:extLst>
+          </p:spPr>
+        </p:sp>
+        <p:sp>
+          <p:nvSpPr>
+            <p:cNvPr id="29" name="Freeform 23">
+              <a:extLst>
+                <a:ext uri="{FF2B5EF4-FFF2-40B4-BE49-F238E27FC236}">
+                  <a16:creationId xmlns:a16="http://schemas.microsoft.com/office/drawing/2014/main" id="{8ADEEF92-F481-475A-845C-5E940F0D5594}"/>
+                </a:ext>
+                <a:ext uri="{C183D7F6-B498-43B3-948B-1728B52AA6E4}">
+                  <adec:decorative xmlns:adec="http://schemas.microsoft.com/office/drawing/2017/decorative" val="1"/>
+                </a:ext>
+              </a:extLst>
+            </p:cNvPr>
+            <p:cNvSpPr/>
+            <p:nvPr>
+              <p:extLst>
+                <p:ext uri="{386F3935-93C4-4BCD-93E2-E3B085C9AB24}">
+                  <p16:designElem xmlns:p16="http://schemas.microsoft.com/office/powerpoint/2015/main" val="1"/>
+                </p:ext>
+              </p:extLst>
+            </p:nvPr>
+          </p:nvSpPr>
+          <p:spPr bwMode="auto">
+            <a:xfrm>
+              <a:off x="11290826" y="5579"/>
+              <a:ext cx="895350" cy="534687"/>
+            </a:xfrm>
+            <a:custGeom>
+              <a:avLst/>
+              <a:gdLst/>
+              <a:ahLst/>
+              <a:cxnLst/>
+              <a:rect l="0" t="0" r="r" b="b"/>
+              <a:pathLst>
+                <a:path w="188" h="112">
+                  <a:moveTo>
+                    <a:pt x="0" y="0"/>
+                  </a:moveTo>
+                  <a:cubicBezTo>
+                    <a:pt x="63" y="36"/>
+                    <a:pt x="126" y="73"/>
+                    <a:pt x="188" y="112"/>
+                  </a:cubicBezTo>
+                </a:path>
+              </a:pathLst>
+            </a:custGeom>
+            <a:noFill/>
+            <a:ln w="9525" cap="flat">
+              <a:solidFill>
+                <a:schemeClr val="tx1">
+                  <a:alpha val="20000"/>
+                </a:schemeClr>
+              </a:solidFill>
+              <a:prstDash val="solid"/>
+              <a:miter lim="800000"/>
+              <a:headEnd/>
+              <a:tailEnd/>
+            </a:ln>
+            <a:extLst>
+              <a:ext uri="{909E8E84-426E-40DD-AFC4-6F175D3DCCD1}">
+                <a14:hiddenFill xmlns:a14="http://schemas.microsoft.com/office/drawing/2010/main">
+                  <a:solidFill>
+                    <a:srgbClr val="FFFFFF"/>
+                  </a:solidFill>
+                </a14:hiddenFill>
+              </a:ext>
+            </a:extLst>
+          </p:spPr>
+        </p:sp>
+      </p:grpSp>
+      <p:sp>
+        <p:nvSpPr>
+          <p:cNvPr id="31" name="Freeform: Shape 30">
+            <a:extLst>
+              <a:ext uri="{FF2B5EF4-FFF2-40B4-BE49-F238E27FC236}">
+                <a16:creationId xmlns:a16="http://schemas.microsoft.com/office/drawing/2014/main" id="{D9C506D7-84CB-4057-A44A-465313E78538}"/>
+              </a:ext>
+              <a:ext uri="{C183D7F6-B498-43B3-948B-1728B52AA6E4}">
+                <adec:decorative xmlns:adec="http://schemas.microsoft.com/office/drawing/2017/decorative" val="1"/>
+              </a:ext>
+            </a:extLst>
+          </p:cNvPr>
+          <p:cNvSpPr>
+            <a:spLocks noGrp="1" noRot="1" noChangeAspect="1" noMove="1" noResize="1" noEditPoints="1" noAdjustHandles="1" noChangeArrowheads="1" noChangeShapeType="1" noTextEdit="1"/>
+          </p:cNvSpPr>
+          <p:nvPr>
+            <p:extLst>
+              <p:ext uri="{386F3935-93C4-4BCD-93E2-E3B085C9AB24}">
+                <p16:designElem xmlns:p16="http://schemas.microsoft.com/office/powerpoint/2015/main" val="1"/>
+              </p:ext>
+            </p:extLst>
+          </p:nvPr>
+        </p:nvSpPr>
+        <p:spPr>
+          <a:xfrm rot="20931529">
+            <a:off x="2173916" y="2448612"/>
+            <a:ext cx="4418757" cy="4259609"/>
+          </a:xfrm>
+          <a:custGeom>
+            <a:avLst/>
+            <a:gdLst>
+              <a:gd name="connsiteX0" fmla="*/ 404107 w 4507111"/>
+              <a:gd name="connsiteY0" fmla="*/ 0 h 4344781"/>
+              <a:gd name="connsiteX1" fmla="*/ 371857 w 4507111"/>
+              <a:gd name="connsiteY1" fmla="*/ 117359 h 4344781"/>
+              <a:gd name="connsiteX2" fmla="*/ 307833 w 4507111"/>
+              <a:gd name="connsiteY2" fmla="*/ 632970 h 4344781"/>
+              <a:gd name="connsiteX3" fmla="*/ 3569418 w 4507111"/>
+              <a:gd name="connsiteY3" fmla="*/ 4141149 h 4344781"/>
+              <a:gd name="connsiteX4" fmla="*/ 4440861 w 4507111"/>
+              <a:gd name="connsiteY4" fmla="*/ 4332480 h 4344781"/>
+              <a:gd name="connsiteX5" fmla="*/ 4507111 w 4507111"/>
+              <a:gd name="connsiteY5" fmla="*/ 4341752 h 4344781"/>
+              <a:gd name="connsiteX6" fmla="*/ 4296045 w 4507111"/>
+              <a:gd name="connsiteY6" fmla="*/ 4344781 h 4344781"/>
+              <a:gd name="connsiteX7" fmla="*/ 3749565 w 4507111"/>
+              <a:gd name="connsiteY7" fmla="*/ 4321853 h 4344781"/>
+              <a:gd name="connsiteX8" fmla="*/ 36764 w 4507111"/>
+              <a:gd name="connsiteY8" fmla="*/ 1629794 h 4344781"/>
+              <a:gd name="connsiteX9" fmla="*/ 300069 w 4507111"/>
+              <a:gd name="connsiteY9" fmla="*/ 144750 h 4344781"/>
+            </a:gdLst>
+            <a:ahLst/>
+            <a:cxnLst>
+              <a:cxn ang="0">
+                <a:pos x="connsiteX0" y="connsiteY0"/>
+              </a:cxn>
+              <a:cxn ang="0">
+                <a:pos x="connsiteX1" y="connsiteY1"/>
+              </a:cxn>
+              <a:cxn ang="0">
+                <a:pos x="connsiteX2" y="connsiteY2"/>
+              </a:cxn>
+              <a:cxn ang="0">
+                <a:pos x="connsiteX3" y="connsiteY3"/>
+              </a:cxn>
+              <a:cxn ang="0">
+                <a:pos x="connsiteX4" y="connsiteY4"/>
+              </a:cxn>
+              <a:cxn ang="0">
+                <a:pos x="connsiteX5" y="connsiteY5"/>
+              </a:cxn>
+              <a:cxn ang="0">
+                <a:pos x="connsiteX6" y="connsiteY6"/>
+              </a:cxn>
+              <a:cxn ang="0">
+                <a:pos x="connsiteX7" y="connsiteY7"/>
+              </a:cxn>
+              <a:cxn ang="0">
+                <a:pos x="connsiteX8" y="connsiteY8"/>
+              </a:cxn>
+              <a:cxn ang="0">
+                <a:pos x="connsiteX9" y="connsiteY9"/>
+              </a:cxn>
+            </a:cxnLst>
+            <a:rect l="l" t="t" r="r" b="b"/>
+            <a:pathLst>
+              <a:path w="4507111" h="4344781">
+                <a:moveTo>
+                  <a:pt x="404107" y="0"/>
+                </a:moveTo>
+                <a:lnTo>
+                  <a:pt x="371857" y="117359"/>
+                </a:lnTo>
+                <a:cubicBezTo>
+                  <a:pt x="333827" y="278567"/>
+                  <a:pt x="311875" y="450459"/>
+                  <a:pt x="307833" y="632970"/>
+                </a:cubicBezTo>
+                <a:cubicBezTo>
+                  <a:pt x="264711" y="2579752"/>
+                  <a:pt x="2253987" y="3769243"/>
+                  <a:pt x="3569418" y="4141149"/>
+                </a:cubicBezTo>
+                <a:cubicBezTo>
+                  <a:pt x="3816061" y="4210881"/>
+                  <a:pt x="4114807" y="4279754"/>
+                  <a:pt x="4440861" y="4332480"/>
+                </a:cubicBezTo>
+                <a:lnTo>
+                  <a:pt x="4507111" y="4341752"/>
+                </a:lnTo>
+                <a:lnTo>
+                  <a:pt x="4296045" y="4344781"/>
+                </a:lnTo>
+                <a:cubicBezTo>
+                  <a:pt x="4097363" y="4343711"/>
+                  <a:pt x="3912623" y="4335104"/>
+                  <a:pt x="3749565" y="4321853"/>
+                </a:cubicBezTo>
+                <a:cubicBezTo>
+                  <a:pt x="2445102" y="4215850"/>
+                  <a:pt x="356405" y="3466499"/>
+                  <a:pt x="36764" y="1629794"/>
+                </a:cubicBezTo>
+                <a:cubicBezTo>
+                  <a:pt x="-63123" y="1055823"/>
+                  <a:pt x="45741" y="555869"/>
+                  <a:pt x="300069" y="144750"/>
+                </a:cubicBezTo>
+                <a:close/>
+              </a:path>
+            </a:pathLst>
+          </a:custGeom>
+          <a:solidFill>
+            <a:schemeClr val="tx1">
+              <a:lumMod val="75000"/>
+              <a:lumOff val="25000"/>
+            </a:schemeClr>
+          </a:solidFill>
+          <a:ln>
+            <a:noFill/>
+          </a:ln>
+        </p:spPr>
+        <p:style>
+          <a:lnRef idx="2">
+            <a:schemeClr val="accent1">
+              <a:shade val="50000"/>
+            </a:schemeClr>
+          </a:lnRef>
+          <a:fillRef idx="1">
+            <a:schemeClr val="accent1"/>
+          </a:fillRef>
+          <a:effectRef idx="0">
+            <a:schemeClr val="accent1"/>
+          </a:effectRef>
+          <a:fontRef idx="minor">
+            <a:schemeClr val="lt1"/>
+          </a:fontRef>
+        </p:style>
+        <p:txBody>
+          <a:bodyPr wrap="square" rtlCol="0" anchor="ctr">
+            <a:noAutofit/>
+          </a:bodyPr>
+          <a:lstStyle/>
+          <a:p>
+            <a:pPr algn="ctr"/>
+            <a:endParaRPr lang="en-US"/>
+          </a:p>
+        </p:txBody>
+      </p:sp>
+      <p:sp>
+        <p:nvSpPr>
+          <p:cNvPr id="33" name="Oval 32">
+            <a:extLst>
+              <a:ext uri="{FF2B5EF4-FFF2-40B4-BE49-F238E27FC236}">
+                <a16:creationId xmlns:a16="http://schemas.microsoft.com/office/drawing/2014/main" id="{7842FC68-61FD-4700-8A22-BB8B071884DB}"/>
+              </a:ext>
+              <a:ext uri="{C183D7F6-B498-43B3-948B-1728B52AA6E4}">
+                <adec:decorative xmlns:adec="http://schemas.microsoft.com/office/drawing/2017/decorative" val="1"/>
+              </a:ext>
+            </a:extLst>
+          </p:cNvPr>
+          <p:cNvSpPr>
+            <a:spLocks noGrp="1" noRot="1" noChangeAspect="1" noMove="1" noResize="1" noEditPoints="1" noAdjustHandles="1" noChangeArrowheads="1" noChangeShapeType="1" noTextEdit="1"/>
+          </p:cNvSpPr>
+          <p:nvPr>
+            <p:extLst>
+              <p:ext uri="{386F3935-93C4-4BCD-93E2-E3B085C9AB24}">
+                <p16:designElem xmlns:p16="http://schemas.microsoft.com/office/powerpoint/2015/main" val="1"/>
+              </p:ext>
+            </p:extLst>
+          </p:nvPr>
+        </p:nvSpPr>
+        <p:spPr>
+          <a:xfrm>
+            <a:off x="2354579" y="691977"/>
+            <a:ext cx="7761923" cy="5343064"/>
+          </a:xfrm>
+          <a:custGeom>
+            <a:avLst/>
+            <a:gdLst>
+              <a:gd name="connsiteX0" fmla="*/ 0 w 6428838"/>
+              <a:gd name="connsiteY0" fmla="*/ 2579031 h 5158062"/>
+              <a:gd name="connsiteX1" fmla="*/ 3214419 w 6428838"/>
+              <a:gd name="connsiteY1" fmla="*/ 0 h 5158062"/>
+              <a:gd name="connsiteX2" fmla="*/ 6428838 w 6428838"/>
+              <a:gd name="connsiteY2" fmla="*/ 2579031 h 5158062"/>
+              <a:gd name="connsiteX3" fmla="*/ 3214419 w 6428838"/>
+              <a:gd name="connsiteY3" fmla="*/ 5158062 h 5158062"/>
+              <a:gd name="connsiteX4" fmla="*/ 0 w 6428838"/>
+              <a:gd name="connsiteY4" fmla="*/ 2579031 h 5158062"/>
+              <a:gd name="connsiteX0" fmla="*/ 3321 w 6432159"/>
+              <a:gd name="connsiteY0" fmla="*/ 2647125 h 5226156"/>
+              <a:gd name="connsiteX1" fmla="*/ 2789723 w 6432159"/>
+              <a:gd name="connsiteY1" fmla="*/ 0 h 5226156"/>
+              <a:gd name="connsiteX2" fmla="*/ 6432159 w 6432159"/>
+              <a:gd name="connsiteY2" fmla="*/ 2647125 h 5226156"/>
+              <a:gd name="connsiteX3" fmla="*/ 3217740 w 6432159"/>
+              <a:gd name="connsiteY3" fmla="*/ 5226156 h 5226156"/>
+              <a:gd name="connsiteX4" fmla="*/ 3321 w 6432159"/>
+              <a:gd name="connsiteY4" fmla="*/ 2647125 h 5226156"/>
+              <a:gd name="connsiteX0" fmla="*/ 1953 w 6566979"/>
+              <a:gd name="connsiteY0" fmla="*/ 2695803 h 5226224"/>
+              <a:gd name="connsiteX1" fmla="*/ 2924543 w 6566979"/>
+              <a:gd name="connsiteY1" fmla="*/ 39 h 5226224"/>
+              <a:gd name="connsiteX2" fmla="*/ 6566979 w 6566979"/>
+              <a:gd name="connsiteY2" fmla="*/ 2647164 h 5226224"/>
+              <a:gd name="connsiteX3" fmla="*/ 3352560 w 6566979"/>
+              <a:gd name="connsiteY3" fmla="*/ 5226195 h 5226224"/>
+              <a:gd name="connsiteX4" fmla="*/ 1953 w 6566979"/>
+              <a:gd name="connsiteY4" fmla="*/ 2695803 h 5226224"/>
+              <a:gd name="connsiteX0" fmla="*/ 8982 w 6574008"/>
+              <a:gd name="connsiteY0" fmla="*/ 2695803 h 5226313"/>
+              <a:gd name="connsiteX1" fmla="*/ 2931572 w 6574008"/>
+              <a:gd name="connsiteY1" fmla="*/ 39 h 5226313"/>
+              <a:gd name="connsiteX2" fmla="*/ 6574008 w 6574008"/>
+              <a:gd name="connsiteY2" fmla="*/ 2647164 h 5226313"/>
+              <a:gd name="connsiteX3" fmla="*/ 3359589 w 6574008"/>
+              <a:gd name="connsiteY3" fmla="*/ 5226195 h 5226313"/>
+              <a:gd name="connsiteX4" fmla="*/ 8982 w 6574008"/>
+              <a:gd name="connsiteY4" fmla="*/ 2695803 h 5226313"/>
+              <a:gd name="connsiteX0" fmla="*/ 11929 w 6576955"/>
+              <a:gd name="connsiteY0" fmla="*/ 2695953 h 5226463"/>
+              <a:gd name="connsiteX1" fmla="*/ 2934519 w 6576955"/>
+              <a:gd name="connsiteY1" fmla="*/ 189 h 5226463"/>
+              <a:gd name="connsiteX2" fmla="*/ 6576955 w 6576955"/>
+              <a:gd name="connsiteY2" fmla="*/ 2647314 h 5226463"/>
+              <a:gd name="connsiteX3" fmla="*/ 3362536 w 6576955"/>
+              <a:gd name="connsiteY3" fmla="*/ 5226345 h 5226463"/>
+              <a:gd name="connsiteX4" fmla="*/ 11929 w 6576955"/>
+              <a:gd name="connsiteY4" fmla="*/ 2695953 h 5226463"/>
+              <a:gd name="connsiteX0" fmla="*/ 9262 w 6963394"/>
+              <a:gd name="connsiteY0" fmla="*/ 2705797 h 5247356"/>
+              <a:gd name="connsiteX1" fmla="*/ 2931852 w 6963394"/>
+              <a:gd name="connsiteY1" fmla="*/ 10033 h 5247356"/>
+              <a:gd name="connsiteX2" fmla="*/ 6963394 w 6963394"/>
+              <a:gd name="connsiteY2" fmla="*/ 3318639 h 5247356"/>
+              <a:gd name="connsiteX3" fmla="*/ 3359869 w 6963394"/>
+              <a:gd name="connsiteY3" fmla="*/ 5236189 h 5247356"/>
+              <a:gd name="connsiteX4" fmla="*/ 9262 w 6963394"/>
+              <a:gd name="connsiteY4" fmla="*/ 2705797 h 5247356"/>
+              <a:gd name="connsiteX0" fmla="*/ 9262 w 6963394"/>
+              <a:gd name="connsiteY0" fmla="*/ 2705797 h 5247356"/>
+              <a:gd name="connsiteX1" fmla="*/ 2931852 w 6963394"/>
+              <a:gd name="connsiteY1" fmla="*/ 10033 h 5247356"/>
+              <a:gd name="connsiteX2" fmla="*/ 6963394 w 6963394"/>
+              <a:gd name="connsiteY2" fmla="*/ 3318639 h 5247356"/>
+              <a:gd name="connsiteX3" fmla="*/ 3359869 w 6963394"/>
+              <a:gd name="connsiteY3" fmla="*/ 5236189 h 5247356"/>
+              <a:gd name="connsiteX4" fmla="*/ 9262 w 6963394"/>
+              <a:gd name="connsiteY4" fmla="*/ 2705797 h 5247356"/>
+              <a:gd name="connsiteX0" fmla="*/ 9262 w 6963394"/>
+              <a:gd name="connsiteY0" fmla="*/ 2705797 h 5292159"/>
+              <a:gd name="connsiteX1" fmla="*/ 2931852 w 6963394"/>
+              <a:gd name="connsiteY1" fmla="*/ 10033 h 5292159"/>
+              <a:gd name="connsiteX2" fmla="*/ 6963394 w 6963394"/>
+              <a:gd name="connsiteY2" fmla="*/ 3318639 h 5292159"/>
+              <a:gd name="connsiteX3" fmla="*/ 3359869 w 6963394"/>
+              <a:gd name="connsiteY3" fmla="*/ 5236189 h 5292159"/>
+              <a:gd name="connsiteX4" fmla="*/ 9262 w 6963394"/>
+              <a:gd name="connsiteY4" fmla="*/ 2705797 h 5292159"/>
+              <a:gd name="connsiteX0" fmla="*/ 9262 w 6963394"/>
+              <a:gd name="connsiteY0" fmla="*/ 2705797 h 5259961"/>
+              <a:gd name="connsiteX1" fmla="*/ 2931852 w 6963394"/>
+              <a:gd name="connsiteY1" fmla="*/ 10033 h 5259961"/>
+              <a:gd name="connsiteX2" fmla="*/ 6963394 w 6963394"/>
+              <a:gd name="connsiteY2" fmla="*/ 3318639 h 5259961"/>
+              <a:gd name="connsiteX3" fmla="*/ 3359869 w 6963394"/>
+              <a:gd name="connsiteY3" fmla="*/ 5236189 h 5259961"/>
+              <a:gd name="connsiteX4" fmla="*/ 9262 w 6963394"/>
+              <a:gd name="connsiteY4" fmla="*/ 2705797 h 5259961"/>
+              <a:gd name="connsiteX0" fmla="*/ 9557 w 7352795"/>
+              <a:gd name="connsiteY0" fmla="*/ 2707501 h 5252013"/>
+              <a:gd name="connsiteX1" fmla="*/ 2932147 w 7352795"/>
+              <a:gd name="connsiteY1" fmla="*/ 11737 h 5252013"/>
+              <a:gd name="connsiteX2" fmla="*/ 7352795 w 7352795"/>
+              <a:gd name="connsiteY2" fmla="*/ 3378709 h 5252013"/>
+              <a:gd name="connsiteX3" fmla="*/ 3360164 w 7352795"/>
+              <a:gd name="connsiteY3" fmla="*/ 5237893 h 5252013"/>
+              <a:gd name="connsiteX4" fmla="*/ 9557 w 7352795"/>
+              <a:gd name="connsiteY4" fmla="*/ 2707501 h 5252013"/>
+              <a:gd name="connsiteX0" fmla="*/ 8078 w 7789061"/>
+              <a:gd name="connsiteY0" fmla="*/ 2744796 h 5249051"/>
+              <a:gd name="connsiteX1" fmla="*/ 3368413 w 7789061"/>
+              <a:gd name="connsiteY1" fmla="*/ 10121 h 5249051"/>
+              <a:gd name="connsiteX2" fmla="*/ 7789061 w 7789061"/>
+              <a:gd name="connsiteY2" fmla="*/ 3377093 h 5249051"/>
+              <a:gd name="connsiteX3" fmla="*/ 3796430 w 7789061"/>
+              <a:gd name="connsiteY3" fmla="*/ 5236277 h 5249051"/>
+              <a:gd name="connsiteX4" fmla="*/ 8078 w 7789061"/>
+              <a:gd name="connsiteY4" fmla="*/ 2744796 h 5249051"/>
+              <a:gd name="connsiteX0" fmla="*/ 8078 w 7789061"/>
+              <a:gd name="connsiteY0" fmla="*/ 2744796 h 5271741"/>
+              <a:gd name="connsiteX1" fmla="*/ 3368413 w 7789061"/>
+              <a:gd name="connsiteY1" fmla="*/ 10121 h 5271741"/>
+              <a:gd name="connsiteX2" fmla="*/ 7789061 w 7789061"/>
+              <a:gd name="connsiteY2" fmla="*/ 3377093 h 5271741"/>
+              <a:gd name="connsiteX3" fmla="*/ 3796430 w 7789061"/>
+              <a:gd name="connsiteY3" fmla="*/ 5236277 h 5271741"/>
+              <a:gd name="connsiteX4" fmla="*/ 8078 w 7789061"/>
+              <a:gd name="connsiteY4" fmla="*/ 2744796 h 5271741"/>
+              <a:gd name="connsiteX0" fmla="*/ 1055 w 7782038"/>
+              <a:gd name="connsiteY0" fmla="*/ 2738806 h 5438018"/>
+              <a:gd name="connsiteX1" fmla="*/ 3361390 w 7782038"/>
+              <a:gd name="connsiteY1" fmla="*/ 4131 h 5438018"/>
+              <a:gd name="connsiteX2" fmla="*/ 7782038 w 7782038"/>
+              <a:gd name="connsiteY2" fmla="*/ 3371103 h 5438018"/>
+              <a:gd name="connsiteX3" fmla="*/ 3692130 w 7782038"/>
+              <a:gd name="connsiteY3" fmla="*/ 5415113 h 5438018"/>
+              <a:gd name="connsiteX4" fmla="*/ 1055 w 7782038"/>
+              <a:gd name="connsiteY4" fmla="*/ 2738806 h 5438018"/>
+              <a:gd name="connsiteX0" fmla="*/ 28883 w 7809866"/>
+              <a:gd name="connsiteY0" fmla="*/ 2742147 h 5441359"/>
+              <a:gd name="connsiteX1" fmla="*/ 3389218 w 7809866"/>
+              <a:gd name="connsiteY1" fmla="*/ 7472 h 5441359"/>
+              <a:gd name="connsiteX2" fmla="*/ 7809866 w 7809866"/>
+              <a:gd name="connsiteY2" fmla="*/ 3374444 h 5441359"/>
+              <a:gd name="connsiteX3" fmla="*/ 3719958 w 7809866"/>
+              <a:gd name="connsiteY3" fmla="*/ 5418454 h 5441359"/>
+              <a:gd name="connsiteX4" fmla="*/ 28883 w 7809866"/>
+              <a:gd name="connsiteY4" fmla="*/ 2742147 h 5441359"/>
+              <a:gd name="connsiteX0" fmla="*/ 36549 w 7817532"/>
+              <a:gd name="connsiteY0" fmla="*/ 2751085 h 5450297"/>
+              <a:gd name="connsiteX1" fmla="*/ 3396884 w 7817532"/>
+              <a:gd name="connsiteY1" fmla="*/ 16410 h 5450297"/>
+              <a:gd name="connsiteX2" fmla="*/ 7817532 w 7817532"/>
+              <a:gd name="connsiteY2" fmla="*/ 3383382 h 5450297"/>
+              <a:gd name="connsiteX3" fmla="*/ 3727624 w 7817532"/>
+              <a:gd name="connsiteY3" fmla="*/ 5427392 h 5450297"/>
+              <a:gd name="connsiteX4" fmla="*/ 36549 w 7817532"/>
+              <a:gd name="connsiteY4" fmla="*/ 2751085 h 5450297"/>
+            </a:gdLst>
+            <a:ahLst/>
+            <a:cxnLst>
+              <a:cxn ang="0">
+                <a:pos x="connsiteX0" y="connsiteY0"/>
+              </a:cxn>
+              <a:cxn ang="0">
+                <a:pos x="connsiteX1" y="connsiteY1"/>
+              </a:cxn>
+              <a:cxn ang="0">
+                <a:pos x="connsiteX2" y="connsiteY2"/>
+              </a:cxn>
+              <a:cxn ang="0">
+                <a:pos x="connsiteX3" y="connsiteY3"/>
+              </a:cxn>
+              <a:cxn ang="0">
+                <a:pos x="connsiteX4" y="connsiteY4"/>
+              </a:cxn>
+            </a:cxnLst>
+            <a:rect l="l" t="t" r="r" b="b"/>
+            <a:pathLst>
+              <a:path w="7817532" h="5450297">
+                <a:moveTo>
+                  <a:pt x="36549" y="2751085"/>
+                </a:moveTo>
+                <a:cubicBezTo>
+                  <a:pt x="-281221" y="925127"/>
+                  <a:pt x="1526121" y="-147339"/>
+                  <a:pt x="3396884" y="16410"/>
+                </a:cubicBezTo>
+                <a:cubicBezTo>
+                  <a:pt x="5267647" y="180159"/>
+                  <a:pt x="7817532" y="1453184"/>
+                  <a:pt x="7817532" y="3383382"/>
+                </a:cubicBezTo>
+                <a:cubicBezTo>
+                  <a:pt x="7700800" y="5342763"/>
+                  <a:pt x="5024455" y="5532775"/>
+                  <a:pt x="3727624" y="5427392"/>
+                </a:cubicBezTo>
+                <a:cubicBezTo>
+                  <a:pt x="2430794" y="5322009"/>
+                  <a:pt x="354319" y="4577043"/>
+                  <a:pt x="36549" y="2751085"/>
+                </a:cubicBezTo>
+                <a:close/>
+              </a:path>
+            </a:pathLst>
+          </a:custGeom>
+          <a:ln w="152400">
+            <a:noFill/>
+          </a:ln>
+        </p:spPr>
+        <p:style>
+          <a:lnRef idx="2">
+            <a:schemeClr val="accent1">
+              <a:shade val="50000"/>
+            </a:schemeClr>
+          </a:lnRef>
+          <a:fillRef idx="1">
+            <a:schemeClr val="accent1"/>
+          </a:fillRef>
+          <a:effectRef idx="0">
+            <a:schemeClr val="accent1"/>
+          </a:effectRef>
+          <a:fontRef idx="minor">
+            <a:schemeClr val="lt1"/>
+          </a:fontRef>
+        </p:style>
+        <p:txBody>
+          <a:bodyPr rtlCol="0" anchor="ctr"/>
+          <a:lstStyle/>
+          <a:p>
+            <a:pPr algn="ctr"/>
+            <a:endParaRPr lang="en-US"/>
+          </a:p>
+        </p:txBody>
+      </p:sp>
+      <p:sp>
+        <p:nvSpPr>
+          <p:cNvPr id="2" name="Title 1">
+            <a:extLst>
+              <a:ext uri="{FF2B5EF4-FFF2-40B4-BE49-F238E27FC236}">
+                <a16:creationId xmlns:a16="http://schemas.microsoft.com/office/drawing/2014/main" id="{833DF4FE-C777-4BF8-BEF2-C3CC0D3CEF42}"/>
+              </a:ext>
+            </a:extLst>
+          </p:cNvPr>
+          <p:cNvSpPr>
+            <a:spLocks noGrp="1"/>
+          </p:cNvSpPr>
+          <p:nvPr>
+            <p:ph type="ctrTitle"/>
+          </p:nvPr>
+        </p:nvSpPr>
+        <p:spPr>
+          <a:xfrm>
+            <a:off x="2616277" y="2061838"/>
+            <a:ext cx="6959446" cy="1662475"/>
+          </a:xfrm>
+        </p:spPr>
+        <p:txBody>
+          <a:bodyPr>
+            <a:normAutofit/>
+          </a:bodyPr>
+          <a:lstStyle/>
+          <a:p>
+            <a:r>
+              <a:rPr lang="en-US" sz="4400"/>
+              <a:t>MSDS 7330 Final Term Project</a:t>
+            </a:r>
+            <a:br>
+              <a:rPr lang="en-US" sz="4400"/>
+            </a:br>
+            <a:r>
+              <a:rPr lang="en-US" sz="4400"/>
+              <a:t>Hotel Reviews Database Design</a:t>
+            </a:r>
+          </a:p>
+        </p:txBody>
+      </p:sp>
+      <p:sp>
+        <p:nvSpPr>
+          <p:cNvPr id="3" name="Subtitle 2">
+            <a:extLst>
+              <a:ext uri="{FF2B5EF4-FFF2-40B4-BE49-F238E27FC236}">
+                <a16:creationId xmlns:a16="http://schemas.microsoft.com/office/drawing/2014/main" id="{9DCD9C0E-6393-49A5-8E8D-242C8D449EE3}"/>
+              </a:ext>
+            </a:extLst>
+          </p:cNvPr>
+          <p:cNvSpPr>
+            <a:spLocks noGrp="1"/>
+          </p:cNvSpPr>
+          <p:nvPr>
+            <p:ph type="subTitle" idx="1"/>
+          </p:nvPr>
+        </p:nvSpPr>
+        <p:spPr>
+          <a:xfrm>
+            <a:off x="3388938" y="3783690"/>
+            <a:ext cx="5414125" cy="1196717"/>
+          </a:xfrm>
+        </p:spPr>
+        <p:txBody>
+          <a:bodyPr>
+            <a:normAutofit/>
+          </a:bodyPr>
+          <a:lstStyle/>
+          <a:p>
+            <a:r>
+              <a:rPr lang="en-US" sz="2000"/>
+              <a:t>An Nguyen – Jodi Pafford – Tori Wheelis</a:t>
+            </a:r>
+          </a:p>
+        </p:txBody>
+      </p:sp>
+    </p:spTree>
+    <p:extLst>
+      <p:ext uri="{BB962C8B-B14F-4D97-AF65-F5344CB8AC3E}">
+        <p14:creationId xmlns:p14="http://schemas.microsoft.com/office/powerpoint/2010/main" val="2927887940"/>
+      </p:ext>
+    </p:extLst>
+  </p:cSld>
+  <p:clrMapOvr>
+    <a:masterClrMapping/>
+  </p:clrMapOvr>
+</p:sld>
+</file>
+
 <file path=ppt/slides/slide2.xml><?xml version="1.0" encoding="utf-8"?>
 <p:sld xmlns:a="http://schemas.openxmlformats.org/drawingml/2006/main" xmlns:r="http://schemas.openxmlformats.org/officeDocument/2006/relationships" xmlns:p="http://schemas.openxmlformats.org/presentationml/2006/main">
   <p:cSld>
@@ -21229,8 +23262,8 @@
         </p:nvSpPr>
         <p:spPr>
           <a:xfrm>
-            <a:off x="798577" y="803186"/>
-            <a:ext cx="5427137" cy="5248622"/>
+            <a:off x="149676" y="128337"/>
+            <a:ext cx="7711453" cy="6545179"/>
           </a:xfrm>
         </p:spPr>
         <p:txBody>
@@ -21245,7 +23278,7 @@
               </a:lnSpc>
             </a:pPr>
             <a:r>
-              <a:rPr lang="en-US" sz="1400"/>
+              <a:rPr lang="en-US" dirty="0"/>
               <a:t>50 JSON files</a:t>
             </a:r>
           </a:p>
@@ -21256,7 +23289,7 @@
               </a:lnSpc>
             </a:pPr>
             <a:r>
-              <a:rPr lang="en-US" sz="1400"/>
+              <a:rPr lang="en-US" sz="1800" dirty="0"/>
               <a:t>Named with hotel ID’s</a:t>
             </a:r>
           </a:p>
@@ -21267,7 +23300,7 @@
               </a:lnSpc>
             </a:pPr>
             <a:r>
-              <a:rPr lang="en-US" sz="1400"/>
+              <a:rPr lang="en-US" sz="1800" dirty="0"/>
               <a:t>Contains hotel information</a:t>
             </a:r>
           </a:p>
@@ -21278,7 +23311,7 @@
               </a:lnSpc>
             </a:pPr>
             <a:r>
-              <a:rPr lang="en-US"/>
+              <a:rPr lang="en-US" sz="1800" dirty="0"/>
               <a:t>Name of Hotel</a:t>
             </a:r>
           </a:p>
@@ -21289,7 +23322,7 @@
               </a:lnSpc>
             </a:pPr>
             <a:r>
-              <a:rPr lang="en-US"/>
+              <a:rPr lang="en-US" sz="1800" dirty="0"/>
               <a:t>Hotel’s URL</a:t>
             </a:r>
           </a:p>
@@ -21300,7 +23333,7 @@
               </a:lnSpc>
             </a:pPr>
             <a:r>
-              <a:rPr lang="en-US"/>
+              <a:rPr lang="en-US" sz="1800" dirty="0"/>
               <a:t>Hotel’s Prices</a:t>
             </a:r>
           </a:p>
@@ -21311,7 +23344,7 @@
               </a:lnSpc>
             </a:pPr>
             <a:r>
-              <a:rPr lang="en-US"/>
+              <a:rPr lang="en-US" sz="1800" dirty="0"/>
               <a:t>Hotel’s Address</a:t>
             </a:r>
           </a:p>
@@ -21322,7 +23355,7 @@
               </a:lnSpc>
             </a:pPr>
             <a:r>
-              <a:rPr lang="en-US"/>
+              <a:rPr lang="en-US" sz="1800" dirty="0"/>
               <a:t>Hotel’s ID</a:t>
             </a:r>
           </a:p>
@@ -21333,7 +23366,7 @@
               </a:lnSpc>
             </a:pPr>
             <a:r>
-              <a:rPr lang="en-US"/>
+              <a:rPr lang="en-US" sz="1800" dirty="0"/>
               <a:t>Hotel image’s URL</a:t>
             </a:r>
           </a:p>
@@ -21344,7 +23377,7 @@
               </a:lnSpc>
             </a:pPr>
             <a:r>
-              <a:rPr lang="en-US" sz="1400"/>
+              <a:rPr lang="en-US" sz="1800" dirty="0"/>
               <a:t>Contains user’s reviews</a:t>
             </a:r>
           </a:p>
@@ -21355,7 +23388,7 @@
               </a:lnSpc>
             </a:pPr>
             <a:r>
-              <a:rPr lang="en-US"/>
+              <a:rPr lang="en-US" sz="1800" dirty="0"/>
               <a:t>Ratings from user</a:t>
             </a:r>
           </a:p>
@@ -21366,7 +23399,7 @@
               </a:lnSpc>
             </a:pPr>
             <a:r>
-              <a:rPr lang="en-US"/>
+              <a:rPr lang="en-US" sz="1800" dirty="0"/>
               <a:t>Author’s location</a:t>
             </a:r>
           </a:p>
@@ -21377,7 +23410,7 @@
               </a:lnSpc>
             </a:pPr>
             <a:r>
-              <a:rPr lang="en-US"/>
+              <a:rPr lang="en-US" sz="1800" dirty="0"/>
               <a:t>Title of review</a:t>
             </a:r>
           </a:p>
@@ -21388,7 +23421,7 @@
               </a:lnSpc>
             </a:pPr>
             <a:r>
-              <a:rPr lang="en-US"/>
+              <a:rPr lang="en-US" sz="1800" dirty="0"/>
               <a:t>Author’s screenname</a:t>
             </a:r>
           </a:p>
@@ -21399,7 +23432,7 @@
               </a:lnSpc>
             </a:pPr>
             <a:r>
-              <a:rPr lang="en-US"/>
+              <a:rPr lang="en-US" sz="1800" dirty="0"/>
               <a:t>Review’s ID</a:t>
             </a:r>
           </a:p>
@@ -21410,7 +23443,7 @@
               </a:lnSpc>
             </a:pPr>
             <a:r>
-              <a:rPr lang="en-US"/>
+              <a:rPr lang="en-US" sz="1800" dirty="0"/>
               <a:t>Review Content</a:t>
             </a:r>
           </a:p>
@@ -21421,7 +23454,7 @@
               </a:lnSpc>
             </a:pPr>
             <a:r>
-              <a:rPr lang="en-US"/>
+              <a:rPr lang="en-US" sz="1800" dirty="0"/>
               <a:t>Review Date</a:t>
             </a:r>
           </a:p>
@@ -21432,7 +23465,7 @@
               </a:lnSpc>
             </a:pPr>
             <a:r>
-              <a:rPr lang="en-US"/>
+              <a:rPr lang="en-US" sz="1800" dirty="0"/>
               <a:t>Hotel’s I</a:t>
             </a:r>
           </a:p>
@@ -21443,7 +23476,7 @@
               </a:lnSpc>
             </a:pPr>
             <a:r>
-              <a:rPr lang="en-US" sz="1400"/>
+              <a:rPr lang="en-US" sz="1800" dirty="0"/>
               <a:t>User Ratings contains     (1-5)</a:t>
             </a:r>
           </a:p>
@@ -21454,7 +23487,7 @@
               </a:lnSpc>
             </a:pPr>
             <a:r>
-              <a:rPr lang="en-US"/>
+              <a:rPr lang="en-US" sz="1800" dirty="0"/>
               <a:t>Cleanliness</a:t>
             </a:r>
           </a:p>
@@ -21465,7 +23498,7 @@
               </a:lnSpc>
             </a:pPr>
             <a:r>
-              <a:rPr lang="en-US"/>
+              <a:rPr lang="en-US" sz="1800" dirty="0"/>
               <a:t>Location</a:t>
             </a:r>
           </a:p>
@@ -21476,7 +23509,7 @@
               </a:lnSpc>
             </a:pPr>
             <a:r>
-              <a:rPr lang="en-US"/>
+              <a:rPr lang="en-US" sz="1800" dirty="0"/>
               <a:t>Overall</a:t>
             </a:r>
           </a:p>
@@ -21487,7 +23520,7 @@
               </a:lnSpc>
             </a:pPr>
             <a:r>
-              <a:rPr lang="en-US"/>
+              <a:rPr lang="en-US" sz="1800" dirty="0"/>
               <a:t>Rooms</a:t>
             </a:r>
           </a:p>
@@ -21498,7 +23531,7 @@
               </a:lnSpc>
             </a:pPr>
             <a:r>
-              <a:rPr lang="en-US"/>
+              <a:rPr lang="en-US" sz="1800" dirty="0"/>
               <a:t>Service</a:t>
             </a:r>
           </a:p>
@@ -21509,7 +23542,7 @@
               </a:lnSpc>
             </a:pPr>
             <a:r>
-              <a:rPr lang="en-US"/>
+              <a:rPr lang="en-US" sz="1800" dirty="0"/>
               <a:t>Sleep Quality</a:t>
             </a:r>
           </a:p>
@@ -21520,7 +23553,7 @@
               </a:lnSpc>
             </a:pPr>
             <a:r>
-              <a:rPr lang="en-US"/>
+              <a:rPr lang="en-US" sz="1800" dirty="0"/>
               <a:t>Value</a:t>
             </a:r>
           </a:p>
@@ -21531,7 +23564,7 @@
               </a:lnSpc>
             </a:pPr>
             <a:r>
-              <a:rPr lang="en-US"/>
+              <a:rPr lang="en-US" sz="1800" dirty="0"/>
               <a:t>Check In / Front Desk</a:t>
             </a:r>
           </a:p>
@@ -21542,8 +23575,16 @@
               </a:lnSpc>
             </a:pPr>
             <a:r>
-              <a:rPr lang="en-US"/>
-              <a:t>Business Service(eg, internet service)</a:t>
+              <a:rPr lang="en-US" sz="1800" dirty="0"/>
+              <a:t>Business Service(</a:t>
+            </a:r>
+            <a:r>
+              <a:rPr lang="en-US" sz="1800" dirty="0" err="1"/>
+              <a:t>eg</a:t>
+            </a:r>
+            <a:r>
+              <a:rPr lang="en-US" sz="1800" dirty="0"/>
+              <a:t>, internet service)</a:t>
             </a:r>
           </a:p>
         </p:txBody>
@@ -26306,14 +28347,14 @@
           <p:nvPr>
             <p:extLst>
               <p:ext uri="{D42A27DB-BD31-4B8C-83A1-F6EECF244321}">
-                <p14:modId xmlns:p14="http://schemas.microsoft.com/office/powerpoint/2010/main" val="32056020"/>
+                <p14:modId xmlns:p14="http://schemas.microsoft.com/office/powerpoint/2010/main" val="469388940"/>
               </p:ext>
             </p:extLst>
           </p:nvPr>
         </p:nvGraphicFramePr>
         <p:xfrm>
-          <a:off x="807722" y="1990976"/>
-          <a:ext cx="10576558" cy="4175468"/>
+          <a:off x="150919" y="1990976"/>
+          <a:ext cx="11910905" cy="4175468"/>
         </p:xfrm>
         <a:graphic>
           <a:graphicData uri="http://schemas.openxmlformats.org/drawingml/2006/diagram">
@@ -27549,18 +29590,18 @@
           <a:lstStyle/>
           <a:p>
             <a:r>
-              <a:rPr lang="en-US" dirty="0" err="1"/>
+              <a:rPr lang="en-US" sz="3200" dirty="0" err="1"/>
               <a:t>Upsert</a:t>
             </a:r>
             <a:r>
-              <a:rPr lang="en-US" dirty="0"/>
+              <a:rPr lang="en-US" sz="3200" dirty="0"/>
               <a:t> function</a:t>
             </a:r>
           </a:p>
           <a:p>
             <a:pPr lvl="1"/>
             <a:r>
-              <a:rPr lang="en-US" sz="1400" dirty="0"/>
+              <a:rPr lang="en-US" sz="2400" dirty="0"/>
               <a:t>Use this to handle both updates and inserts in the same statement</a:t>
             </a:r>
           </a:p>

--- a/MSDS_7330_Final_Term_Project.pptx
+++ b/MSDS_7330_Final_Term_Project.pptx
@@ -20531,14 +20531,14 @@
           <a:lstStyle/>
           <a:p>
             <a:r>
-              <a:rPr lang="en-US" sz="4400"/>
+              <a:rPr lang="en-US" sz="4400" dirty="0"/>
               <a:t>MSDS 7330 Final Term Project</a:t>
             </a:r>
             <a:br>
-              <a:rPr lang="en-US" sz="4400"/>
+              <a:rPr lang="en-US" sz="4400" dirty="0"/>
             </a:br>
             <a:r>
-              <a:rPr lang="en-US" sz="4400"/>
+              <a:rPr lang="en-US" sz="4400" dirty="0"/>
               <a:t>Hotel Reviews Database Design</a:t>
             </a:r>
           </a:p>
@@ -22919,8 +22919,8 @@
         </p:blipFill>
         <p:spPr>
           <a:xfrm>
-            <a:off x="7866658" y="994305"/>
-            <a:ext cx="4005608" cy="1602242"/>
+            <a:off x="7704258" y="864575"/>
+            <a:ext cx="4329933" cy="1731972"/>
           </a:xfrm>
           <a:prstGeom prst="rect">
             <a:avLst/>
@@ -23129,7 +23129,7 @@
           <a:lstStyle/>
           <a:p>
             <a:r>
-              <a:rPr lang="en-US" sz="1600" dirty="0">
+              <a:rPr lang="en-US" sz="2000" dirty="0">
                 <a:solidFill>
                   <a:srgbClr val="FFFFFE"/>
                 </a:solidFill>
@@ -23161,8 +23161,8 @@
         </p:blipFill>
         <p:spPr>
           <a:xfrm>
-            <a:off x="7866657" y="4263570"/>
-            <a:ext cx="4005303" cy="1602120"/>
+            <a:off x="7704282" y="4133850"/>
+            <a:ext cx="4329603" cy="1731840"/>
           </a:xfrm>
           <a:prstGeom prst="rect">
             <a:avLst/>
@@ -25902,8 +25902,8 @@
         </p:blipFill>
         <p:spPr>
           <a:xfrm>
-            <a:off x="5970539" y="508005"/>
-            <a:ext cx="4612103" cy="2882563"/>
+            <a:off x="5359769" y="192881"/>
+            <a:ext cx="5367704" cy="3354813"/>
           </a:xfrm>
           <a:prstGeom prst="rect">
             <a:avLst/>
@@ -25935,8 +25935,8 @@
         </p:blipFill>
         <p:spPr>
           <a:xfrm>
-            <a:off x="6628726" y="3609121"/>
-            <a:ext cx="2895555" cy="651499"/>
+            <a:off x="6211643" y="3609121"/>
+            <a:ext cx="3663956" cy="824389"/>
           </a:xfrm>
           <a:prstGeom prst="rect">
             <a:avLst/>
@@ -26210,59 +26210,58 @@
           <a:lstStyle/>
           <a:p>
             <a:r>
-              <a:rPr lang="en-US" dirty="0"/>
+              <a:rPr lang="en-US" sz="2000" dirty="0"/>
               <a:t>Query (/query/&lt;arguments&gt;</a:t>
             </a:r>
           </a:p>
           <a:p>
             <a:pPr lvl="1"/>
             <a:r>
-              <a:rPr lang="en-US" dirty="0"/>
+              <a:rPr lang="en-US" sz="1800" dirty="0"/>
               <a:t>Takes in 3 arguments separated by ‘+’</a:t>
             </a:r>
           </a:p>
           <a:p>
             <a:pPr lvl="2"/>
             <a:r>
-              <a:rPr lang="en-US" dirty="0"/>
+              <a:rPr lang="en-US" sz="1600" dirty="0"/>
               <a:t>First argument: ‘Hotel’ or ‘Reviews’ </a:t>
             </a:r>
           </a:p>
           <a:p>
             <a:pPr lvl="3"/>
             <a:r>
-              <a:rPr lang="en-US" dirty="0"/>
+              <a:rPr lang="en-US" sz="1400" dirty="0"/>
               <a:t>Drop down menu</a:t>
             </a:r>
           </a:p>
           <a:p>
             <a:pPr lvl="2"/>
             <a:r>
-              <a:rPr lang="en-US" dirty="0"/>
+              <a:rPr lang="en-US" sz="1600" dirty="0"/>
               <a:t>Second argument: any of the key values found in the documents</a:t>
             </a:r>
           </a:p>
           <a:p>
             <a:pPr lvl="3"/>
             <a:r>
-              <a:rPr lang="en-US" dirty="0"/>
+              <a:rPr lang="en-US" sz="1400" dirty="0"/>
               <a:t>Drop down menu</a:t>
             </a:r>
           </a:p>
           <a:p>
             <a:pPr lvl="2"/>
             <a:r>
-              <a:rPr lang="en-US" dirty="0"/>
+              <a:rPr lang="en-US" sz="1600" dirty="0"/>
               <a:t>Third argument: search term </a:t>
             </a:r>
           </a:p>
           <a:p>
             <a:pPr lvl="3"/>
             <a:r>
-              <a:rPr lang="en-US"/>
+              <a:rPr lang="en-US" sz="1400" dirty="0"/>
               <a:t>User defined</a:t>
             </a:r>
-            <a:endParaRPr lang="en-US" dirty="0"/>
           </a:p>
         </p:txBody>
       </p:sp>
@@ -29021,574 +29020,6 @@
           <a:chExt cx="0" cy="0"/>
         </a:xfrm>
       </p:grpSpPr>
-      <p:sp useBgFill="1">
-        <p:nvSpPr>
-          <p:cNvPr id="12" name="Rectangle 11">
-            <a:extLst>
-              <a:ext uri="{FF2B5EF4-FFF2-40B4-BE49-F238E27FC236}">
-                <a16:creationId xmlns:a16="http://schemas.microsoft.com/office/drawing/2014/main" id="{F3C5918A-1DC5-4CF3-AA27-00AA3088AA9F}"/>
-              </a:ext>
-              <a:ext uri="{C183D7F6-B498-43B3-948B-1728B52AA6E4}">
-                <adec:decorative xmlns:adec="http://schemas.microsoft.com/office/drawing/2017/decorative" val="1"/>
-              </a:ext>
-            </a:extLst>
-          </p:cNvPr>
-          <p:cNvSpPr>
-            <a:spLocks noGrp="1" noRot="1" noChangeAspect="1" noMove="1" noResize="1" noEditPoints="1" noAdjustHandles="1" noChangeArrowheads="1" noChangeShapeType="1" noTextEdit="1"/>
-          </p:cNvSpPr>
-          <p:nvPr>
-            <p:extLst>
-              <p:ext uri="{386F3935-93C4-4BCD-93E2-E3B085C9AB24}">
-                <p16:designElem xmlns:p16="http://schemas.microsoft.com/office/powerpoint/2015/main" val="1"/>
-              </p:ext>
-            </p:extLst>
-          </p:nvPr>
-        </p:nvSpPr>
-        <p:spPr>
-          <a:xfrm>
-            <a:off x="0" y="0"/>
-            <a:ext cx="12192000" cy="6858000"/>
-          </a:xfrm>
-          <a:prstGeom prst="rect">
-            <a:avLst/>
-          </a:prstGeom>
-          <a:ln>
-            <a:noFill/>
-          </a:ln>
-        </p:spPr>
-        <p:style>
-          <a:lnRef idx="2">
-            <a:schemeClr val="accent1">
-              <a:shade val="50000"/>
-            </a:schemeClr>
-          </a:lnRef>
-          <a:fillRef idx="1">
-            <a:schemeClr val="accent1"/>
-          </a:fillRef>
-          <a:effectRef idx="0">
-            <a:schemeClr val="accent1"/>
-          </a:effectRef>
-          <a:fontRef idx="minor">
-            <a:schemeClr val="lt1"/>
-          </a:fontRef>
-        </p:style>
-        <p:txBody>
-          <a:bodyPr rtlCol="0" anchor="ctr"/>
-          <a:lstStyle/>
-          <a:p>
-            <a:pPr algn="ctr"/>
-            <a:endParaRPr lang="en-US" dirty="0"/>
-          </a:p>
-        </p:txBody>
-      </p:sp>
-      <p:sp>
-        <p:nvSpPr>
-          <p:cNvPr id="14" name="Freeform: Shape 13">
-            <a:extLst>
-              <a:ext uri="{FF2B5EF4-FFF2-40B4-BE49-F238E27FC236}">
-                <a16:creationId xmlns:a16="http://schemas.microsoft.com/office/drawing/2014/main" id="{B786683A-6FD6-4BF7-B3B0-DC397677391F}"/>
-              </a:ext>
-              <a:ext uri="{C183D7F6-B498-43B3-948B-1728B52AA6E4}">
-                <adec:decorative xmlns:adec="http://schemas.microsoft.com/office/drawing/2017/decorative" val="1"/>
-              </a:ext>
-            </a:extLst>
-          </p:cNvPr>
-          <p:cNvSpPr>
-            <a:spLocks noGrp="1" noRot="1" noChangeAspect="1" noMove="1" noResize="1" noEditPoints="1" noAdjustHandles="1" noChangeArrowheads="1" noChangeShapeType="1" noTextEdit="1"/>
-          </p:cNvSpPr>
-          <p:nvPr>
-            <p:extLst>
-              <p:ext uri="{386F3935-93C4-4BCD-93E2-E3B085C9AB24}">
-                <p16:designElem xmlns:p16="http://schemas.microsoft.com/office/powerpoint/2015/main" val="1"/>
-              </p:ext>
-            </p:extLst>
-          </p:nvPr>
-        </p:nvSpPr>
-        <p:spPr bwMode="auto">
-          <a:xfrm>
-            <a:off x="4274788" y="-15796"/>
-            <a:ext cx="7911916" cy="6889592"/>
-          </a:xfrm>
-          <a:custGeom>
-            <a:avLst/>
-            <a:gdLst>
-              <a:gd name="connsiteX0" fmla="*/ 1144064 w 7911916"/>
-              <a:gd name="connsiteY0" fmla="*/ 0 h 6889592"/>
-              <a:gd name="connsiteX1" fmla="*/ 7911916 w 7911916"/>
-              <a:gd name="connsiteY1" fmla="*/ 0 h 6889592"/>
-              <a:gd name="connsiteX2" fmla="*/ 7911916 w 7911916"/>
-              <a:gd name="connsiteY2" fmla="*/ 6889592 h 6889592"/>
-              <a:gd name="connsiteX3" fmla="*/ 1282780 w 7911916"/>
-              <a:gd name="connsiteY3" fmla="*/ 6889592 h 6889592"/>
-              <a:gd name="connsiteX4" fmla="*/ 1021588 w 7911916"/>
-              <a:gd name="connsiteY4" fmla="*/ 6461391 h 6889592"/>
-              <a:gd name="connsiteX5" fmla="*/ 841264 w 7911916"/>
-              <a:gd name="connsiteY5" fmla="*/ 370936 h 6889592"/>
-              <a:gd name="connsiteX6" fmla="*/ 1119707 w 7911916"/>
-              <a:gd name="connsiteY6" fmla="*/ 26053 h 6889592"/>
-            </a:gdLst>
-            <a:ahLst/>
-            <a:cxnLst>
-              <a:cxn ang="0">
-                <a:pos x="connsiteX0" y="connsiteY0"/>
-              </a:cxn>
-              <a:cxn ang="0">
-                <a:pos x="connsiteX1" y="connsiteY1"/>
-              </a:cxn>
-              <a:cxn ang="0">
-                <a:pos x="connsiteX2" y="connsiteY2"/>
-              </a:cxn>
-              <a:cxn ang="0">
-                <a:pos x="connsiteX3" y="connsiteY3"/>
-              </a:cxn>
-              <a:cxn ang="0">
-                <a:pos x="connsiteX4" y="connsiteY4"/>
-              </a:cxn>
-              <a:cxn ang="0">
-                <a:pos x="connsiteX5" y="connsiteY5"/>
-              </a:cxn>
-              <a:cxn ang="0">
-                <a:pos x="connsiteX6" y="connsiteY6"/>
-              </a:cxn>
-            </a:cxnLst>
-            <a:rect l="l" t="t" r="r" b="b"/>
-            <a:pathLst>
-              <a:path w="7911916" h="6889592">
-                <a:moveTo>
-                  <a:pt x="1144064" y="0"/>
-                </a:moveTo>
-                <a:lnTo>
-                  <a:pt x="7911916" y="0"/>
-                </a:lnTo>
-                <a:lnTo>
-                  <a:pt x="7911916" y="6889592"/>
-                </a:lnTo>
-                <a:lnTo>
-                  <a:pt x="1282780" y="6889592"/>
-                </a:lnTo>
-                <a:lnTo>
-                  <a:pt x="1021588" y="6461391"/>
-                </a:lnTo>
-                <a:cubicBezTo>
-                  <a:pt x="-73086" y="4533675"/>
-                  <a:pt x="-509682" y="2192905"/>
-                  <a:pt x="841264" y="370936"/>
-                </a:cubicBezTo>
-                <a:cubicBezTo>
-                  <a:pt x="928899" y="253509"/>
-                  <a:pt x="1021859" y="138477"/>
-                  <a:pt x="1119707" y="26053"/>
-                </a:cubicBezTo>
-                <a:close/>
-              </a:path>
-            </a:pathLst>
-          </a:custGeom>
-          <a:noFill/>
-          <a:ln w="9525" cap="flat">
-            <a:solidFill>
-              <a:schemeClr val="tx1">
-                <a:alpha val="10000"/>
-              </a:schemeClr>
-            </a:solidFill>
-            <a:prstDash val="solid"/>
-            <a:miter lim="800000"/>
-            <a:headEnd/>
-            <a:tailEnd/>
-          </a:ln>
-          <a:extLst>
-            <a:ext uri="{909E8E84-426E-40DD-AFC4-6F175D3DCCD1}">
-              <a14:hiddenFill xmlns:a14="http://schemas.microsoft.com/office/drawing/2010/main">
-                <a:solidFill>
-                  <a:srgbClr val="FFFFFF"/>
-                </a:solidFill>
-              </a14:hiddenFill>
-            </a:ext>
-          </a:extLst>
-        </p:spPr>
-      </p:sp>
-      <p:sp>
-        <p:nvSpPr>
-          <p:cNvPr id="16" name="Freeform: Shape 15">
-            <a:extLst>
-              <a:ext uri="{FF2B5EF4-FFF2-40B4-BE49-F238E27FC236}">
-                <a16:creationId xmlns:a16="http://schemas.microsoft.com/office/drawing/2014/main" id="{05169E50-59FB-4AEE-B61D-44A882A4CD2C}"/>
-              </a:ext>
-              <a:ext uri="{C183D7F6-B498-43B3-948B-1728B52AA6E4}">
-                <adec:decorative xmlns:adec="http://schemas.microsoft.com/office/drawing/2017/decorative" val="1"/>
-              </a:ext>
-            </a:extLst>
-          </p:cNvPr>
-          <p:cNvSpPr>
-            <a:spLocks noGrp="1" noRot="1" noChangeAspect="1" noMove="1" noResize="1" noEditPoints="1" noAdjustHandles="1" noChangeArrowheads="1" noChangeShapeType="1" noTextEdit="1"/>
-          </p:cNvSpPr>
-          <p:nvPr>
-            <p:extLst>
-              <p:ext uri="{386F3935-93C4-4BCD-93E2-E3B085C9AB24}">
-                <p16:designElem xmlns:p16="http://schemas.microsoft.com/office/powerpoint/2015/main" val="1"/>
-              </p:ext>
-            </p:extLst>
-          </p:nvPr>
-        </p:nvSpPr>
-        <p:spPr bwMode="auto">
-          <a:xfrm>
-            <a:off x="6249750" y="-6726"/>
-            <a:ext cx="5931659" cy="6871452"/>
-          </a:xfrm>
-          <a:custGeom>
-            <a:avLst/>
-            <a:gdLst>
-              <a:gd name="connsiteX0" fmla="*/ 2429503 w 5931659"/>
-              <a:gd name="connsiteY0" fmla="*/ 0 h 6871452"/>
-              <a:gd name="connsiteX1" fmla="*/ 5931659 w 5931659"/>
-              <a:gd name="connsiteY1" fmla="*/ 0 h 6871452"/>
-              <a:gd name="connsiteX2" fmla="*/ 5931659 w 5931659"/>
-              <a:gd name="connsiteY2" fmla="*/ 6871452 h 6871452"/>
-              <a:gd name="connsiteX3" fmla="*/ 1302090 w 5931659"/>
-              <a:gd name="connsiteY3" fmla="*/ 6871452 h 6871452"/>
-              <a:gd name="connsiteX4" fmla="*/ 1257860 w 5931659"/>
-              <a:gd name="connsiteY4" fmla="*/ 6820098 h 6871452"/>
-              <a:gd name="connsiteX5" fmla="*/ 456609 w 5931659"/>
-              <a:gd name="connsiteY5" fmla="*/ 1965059 h 6871452"/>
-              <a:gd name="connsiteX6" fmla="*/ 2356353 w 5931659"/>
-              <a:gd name="connsiteY6" fmla="*/ 42030 h 6871452"/>
-            </a:gdLst>
-            <a:ahLst/>
-            <a:cxnLst>
-              <a:cxn ang="0">
-                <a:pos x="connsiteX0" y="connsiteY0"/>
-              </a:cxn>
-              <a:cxn ang="0">
-                <a:pos x="connsiteX1" y="connsiteY1"/>
-              </a:cxn>
-              <a:cxn ang="0">
-                <a:pos x="connsiteX2" y="connsiteY2"/>
-              </a:cxn>
-              <a:cxn ang="0">
-                <a:pos x="connsiteX3" y="connsiteY3"/>
-              </a:cxn>
-              <a:cxn ang="0">
-                <a:pos x="connsiteX4" y="connsiteY4"/>
-              </a:cxn>
-              <a:cxn ang="0">
-                <a:pos x="connsiteX5" y="connsiteY5"/>
-              </a:cxn>
-              <a:cxn ang="0">
-                <a:pos x="connsiteX6" y="connsiteY6"/>
-              </a:cxn>
-            </a:cxnLst>
-            <a:rect l="l" t="t" r="r" b="b"/>
-            <a:pathLst>
-              <a:path w="5931659" h="6871452">
-                <a:moveTo>
-                  <a:pt x="2429503" y="0"/>
-                </a:moveTo>
-                <a:lnTo>
-                  <a:pt x="5931659" y="0"/>
-                </a:lnTo>
-                <a:lnTo>
-                  <a:pt x="5931659" y="6871452"/>
-                </a:lnTo>
-                <a:lnTo>
-                  <a:pt x="1302090" y="6871452"/>
-                </a:lnTo>
-                <a:lnTo>
-                  <a:pt x="1257860" y="6820098"/>
-                </a:lnTo>
-                <a:cubicBezTo>
-                  <a:pt x="121068" y="5395213"/>
-                  <a:pt x="-469022" y="3541076"/>
-                  <a:pt x="456609" y="1965059"/>
-                </a:cubicBezTo>
-                <a:cubicBezTo>
-                  <a:pt x="919425" y="1178905"/>
-                  <a:pt x="1583566" y="524859"/>
-                  <a:pt x="2356353" y="42030"/>
-                </a:cubicBezTo>
-                <a:close/>
-              </a:path>
-            </a:pathLst>
-          </a:custGeom>
-          <a:noFill/>
-          <a:ln w="9525" cap="flat">
-            <a:solidFill>
-              <a:schemeClr val="tx1">
-                <a:alpha val="10000"/>
-              </a:schemeClr>
-            </a:solidFill>
-            <a:prstDash val="solid"/>
-            <a:miter lim="800000"/>
-            <a:headEnd/>
-            <a:tailEnd/>
-          </a:ln>
-          <a:extLst>
-            <a:ext uri="{909E8E84-426E-40DD-AFC4-6F175D3DCCD1}">
-              <a14:hiddenFill xmlns:a14="http://schemas.microsoft.com/office/drawing/2010/main">
-                <a:solidFill>
-                  <a:srgbClr val="FFFFFF"/>
-                </a:solidFill>
-              </a14:hiddenFill>
-            </a:ext>
-          </a:extLst>
-        </p:spPr>
-      </p:sp>
-      <p:sp>
-        <p:nvSpPr>
-          <p:cNvPr id="18" name="Freeform: Shape 17">
-            <a:extLst>
-              <a:ext uri="{FF2B5EF4-FFF2-40B4-BE49-F238E27FC236}">
-                <a16:creationId xmlns:a16="http://schemas.microsoft.com/office/drawing/2014/main" id="{117C30F0-5A38-4B60-B632-3AF7C2780824}"/>
-              </a:ext>
-              <a:ext uri="{C183D7F6-B498-43B3-948B-1728B52AA6E4}">
-                <adec:decorative xmlns:adec="http://schemas.microsoft.com/office/drawing/2017/decorative" val="1"/>
-              </a:ext>
-            </a:extLst>
-          </p:cNvPr>
-          <p:cNvSpPr>
-            <a:spLocks noGrp="1" noRot="1" noChangeAspect="1" noMove="1" noResize="1" noEditPoints="1" noAdjustHandles="1" noChangeArrowheads="1" noChangeShapeType="1" noTextEdit="1"/>
-          </p:cNvSpPr>
-          <p:nvPr>
-            <p:extLst>
-              <p:ext uri="{386F3935-93C4-4BCD-93E2-E3B085C9AB24}">
-                <p16:designElem xmlns:p16="http://schemas.microsoft.com/office/powerpoint/2015/main" val="1"/>
-              </p:ext>
-            </p:extLst>
-          </p:nvPr>
-        </p:nvSpPr>
-        <p:spPr bwMode="auto">
-          <a:xfrm>
-            <a:off x="5433528" y="-3116"/>
-            <a:ext cx="6766974" cy="6864232"/>
-          </a:xfrm>
-          <a:custGeom>
-            <a:avLst/>
-            <a:gdLst>
-              <a:gd name="connsiteX0" fmla="*/ 2135088 w 6766974"/>
-              <a:gd name="connsiteY0" fmla="*/ 0 h 6864232"/>
-              <a:gd name="connsiteX1" fmla="*/ 6766974 w 6766974"/>
-              <a:gd name="connsiteY1" fmla="*/ 0 h 6864232"/>
-              <a:gd name="connsiteX2" fmla="*/ 6766974 w 6766974"/>
-              <a:gd name="connsiteY2" fmla="*/ 6864232 h 6864232"/>
-              <a:gd name="connsiteX3" fmla="*/ 1128977 w 6766974"/>
-              <a:gd name="connsiteY3" fmla="*/ 6864232 h 6864232"/>
-              <a:gd name="connsiteX4" fmla="*/ 1004776 w 6766974"/>
-              <a:gd name="connsiteY4" fmla="*/ 6687663 h 6864232"/>
-              <a:gd name="connsiteX5" fmla="*/ 709736 w 6766974"/>
-              <a:gd name="connsiteY5" fmla="*/ 1521351 h 6864232"/>
-              <a:gd name="connsiteX6" fmla="*/ 1896284 w 6766974"/>
-              <a:gd name="connsiteY6" fmla="*/ 197391 h 6864232"/>
-            </a:gdLst>
-            <a:ahLst/>
-            <a:cxnLst>
-              <a:cxn ang="0">
-                <a:pos x="connsiteX0" y="connsiteY0"/>
-              </a:cxn>
-              <a:cxn ang="0">
-                <a:pos x="connsiteX1" y="connsiteY1"/>
-              </a:cxn>
-              <a:cxn ang="0">
-                <a:pos x="connsiteX2" y="connsiteY2"/>
-              </a:cxn>
-              <a:cxn ang="0">
-                <a:pos x="connsiteX3" y="connsiteY3"/>
-              </a:cxn>
-              <a:cxn ang="0">
-                <a:pos x="connsiteX4" y="connsiteY4"/>
-              </a:cxn>
-              <a:cxn ang="0">
-                <a:pos x="connsiteX5" y="connsiteY5"/>
-              </a:cxn>
-              <a:cxn ang="0">
-                <a:pos x="connsiteX6" y="connsiteY6"/>
-              </a:cxn>
-            </a:cxnLst>
-            <a:rect l="l" t="t" r="r" b="b"/>
-            <a:pathLst>
-              <a:path w="6766974" h="6864232">
-                <a:moveTo>
-                  <a:pt x="2135088" y="0"/>
-                </a:moveTo>
-                <a:lnTo>
-                  <a:pt x="6766974" y="0"/>
-                </a:lnTo>
-                <a:lnTo>
-                  <a:pt x="6766974" y="6864232"/>
-                </a:lnTo>
-                <a:lnTo>
-                  <a:pt x="1128977" y="6864232"/>
-                </a:lnTo>
-                <a:lnTo>
-                  <a:pt x="1004776" y="6687663"/>
-                </a:lnTo>
-                <a:cubicBezTo>
-                  <a:pt x="-54053" y="5122098"/>
-                  <a:pt x="-463081" y="3202457"/>
-                  <a:pt x="709736" y="1521351"/>
-                </a:cubicBezTo>
-                <a:cubicBezTo>
-                  <a:pt x="1045443" y="1039181"/>
-                  <a:pt x="1446565" y="592246"/>
-                  <a:pt x="1896284" y="197391"/>
-                </a:cubicBezTo>
-                <a:close/>
-              </a:path>
-            </a:pathLst>
-          </a:custGeom>
-          <a:noFill/>
-          <a:ln w="9525" cap="flat">
-            <a:solidFill>
-              <a:schemeClr val="tx1">
-                <a:alpha val="10000"/>
-              </a:schemeClr>
-            </a:solidFill>
-            <a:prstDash val="dash"/>
-            <a:miter lim="800000"/>
-            <a:headEnd/>
-            <a:tailEnd/>
-          </a:ln>
-          <a:extLst>
-            <a:ext uri="{909E8E84-426E-40DD-AFC4-6F175D3DCCD1}">
-              <a14:hiddenFill xmlns:a14="http://schemas.microsoft.com/office/drawing/2010/main">
-                <a:solidFill>
-                  <a:srgbClr val="FFFFFF"/>
-                </a:solidFill>
-              </a14:hiddenFill>
-            </a:ext>
-          </a:extLst>
-        </p:spPr>
-      </p:sp>
-      <p:sp>
-        <p:nvSpPr>
-          <p:cNvPr id="20" name="Freeform: Shape 19">
-            <a:extLst>
-              <a:ext uri="{FF2B5EF4-FFF2-40B4-BE49-F238E27FC236}">
-                <a16:creationId xmlns:a16="http://schemas.microsoft.com/office/drawing/2014/main" id="{A200CBA5-3F2B-4AAC-9F86-99AFECC19C1D}"/>
-              </a:ext>
-              <a:ext uri="{C183D7F6-B498-43B3-948B-1728B52AA6E4}">
-                <adec:decorative xmlns:adec="http://schemas.microsoft.com/office/drawing/2017/decorative" val="1"/>
-              </a:ext>
-            </a:extLst>
-          </p:cNvPr>
-          <p:cNvSpPr>
-            <a:spLocks noGrp="1" noRot="1" noChangeAspect="1" noMove="1" noResize="1" noEditPoints="1" noAdjustHandles="1" noChangeArrowheads="1" noChangeShapeType="1" noTextEdit="1"/>
-          </p:cNvSpPr>
-          <p:nvPr>
-            <p:extLst>
-              <p:ext uri="{386F3935-93C4-4BCD-93E2-E3B085C9AB24}">
-                <p16:designElem xmlns:p16="http://schemas.microsoft.com/office/powerpoint/2015/main" val="1"/>
-              </p:ext>
-            </p:extLst>
-          </p:nvPr>
-        </p:nvSpPr>
-        <p:spPr>
-          <a:xfrm>
-            <a:off x="6953136" y="0"/>
-            <a:ext cx="5238864" cy="6858000"/>
-          </a:xfrm>
-          <a:custGeom>
-            <a:avLst/>
-            <a:gdLst>
-              <a:gd name="connsiteX0" fmla="*/ 2829115 w 5238864"/>
-              <a:gd name="connsiteY0" fmla="*/ 0 h 6864726"/>
-              <a:gd name="connsiteX1" fmla="*/ 5238864 w 5238864"/>
-              <a:gd name="connsiteY1" fmla="*/ 0 h 6864726"/>
-              <a:gd name="connsiteX2" fmla="*/ 5238864 w 5238864"/>
-              <a:gd name="connsiteY2" fmla="*/ 6864726 h 6864726"/>
-              <a:gd name="connsiteX3" fmla="*/ 1518091 w 5238864"/>
-              <a:gd name="connsiteY3" fmla="*/ 6864726 h 6864726"/>
-              <a:gd name="connsiteX4" fmla="*/ 1435414 w 5238864"/>
-              <a:gd name="connsiteY4" fmla="*/ 6778879 h 6864726"/>
-              <a:gd name="connsiteX5" fmla="*/ 406006 w 5238864"/>
-              <a:gd name="connsiteY5" fmla="*/ 2093910 h 6864726"/>
-              <a:gd name="connsiteX6" fmla="*/ 2559142 w 5238864"/>
-              <a:gd name="connsiteY6" fmla="*/ 124487 h 6864726"/>
-            </a:gdLst>
-            <a:ahLst/>
-            <a:cxnLst>
-              <a:cxn ang="0">
-                <a:pos x="connsiteX0" y="connsiteY0"/>
-              </a:cxn>
-              <a:cxn ang="0">
-                <a:pos x="connsiteX1" y="connsiteY1"/>
-              </a:cxn>
-              <a:cxn ang="0">
-                <a:pos x="connsiteX2" y="connsiteY2"/>
-              </a:cxn>
-              <a:cxn ang="0">
-                <a:pos x="connsiteX3" y="connsiteY3"/>
-              </a:cxn>
-              <a:cxn ang="0">
-                <a:pos x="connsiteX4" y="connsiteY4"/>
-              </a:cxn>
-              <a:cxn ang="0">
-                <a:pos x="connsiteX5" y="connsiteY5"/>
-              </a:cxn>
-              <a:cxn ang="0">
-                <a:pos x="connsiteX6" y="connsiteY6"/>
-              </a:cxn>
-            </a:cxnLst>
-            <a:rect l="l" t="t" r="r" b="b"/>
-            <a:pathLst>
-              <a:path w="5238864" h="6864726">
-                <a:moveTo>
-                  <a:pt x="2829115" y="0"/>
-                </a:moveTo>
-                <a:lnTo>
-                  <a:pt x="5238864" y="0"/>
-                </a:lnTo>
-                <a:lnTo>
-                  <a:pt x="5238864" y="6864726"/>
-                </a:lnTo>
-                <a:lnTo>
-                  <a:pt x="1518091" y="6864726"/>
-                </a:lnTo>
-                <a:lnTo>
-                  <a:pt x="1435414" y="6778879"/>
-                </a:lnTo>
-                <a:cubicBezTo>
-                  <a:pt x="226066" y="5476104"/>
-                  <a:pt x="-499346" y="3635393"/>
-                  <a:pt x="406006" y="2093910"/>
-                </a:cubicBezTo>
-                <a:cubicBezTo>
-                  <a:pt x="907547" y="1241972"/>
-                  <a:pt x="1674986" y="564513"/>
-                  <a:pt x="2559142" y="124487"/>
-                </a:cubicBezTo>
-                <a:close/>
-              </a:path>
-            </a:pathLst>
-          </a:custGeom>
-          <a:ln>
-            <a:noFill/>
-          </a:ln>
-        </p:spPr>
-        <p:style>
-          <a:lnRef idx="2">
-            <a:schemeClr val="accent1">
-              <a:shade val="50000"/>
-            </a:schemeClr>
-          </a:lnRef>
-          <a:fillRef idx="1">
-            <a:schemeClr val="accent1"/>
-          </a:fillRef>
-          <a:effectRef idx="0">
-            <a:schemeClr val="accent1"/>
-          </a:effectRef>
-          <a:fontRef idx="minor">
-            <a:schemeClr val="lt1"/>
-          </a:fontRef>
-        </p:style>
-        <p:txBody>
-          <a:bodyPr wrap="square" rtlCol="0" anchor="ctr">
-            <a:noAutofit/>
-          </a:bodyPr>
-          <a:lstStyle/>
-          <a:p>
-            <a:pPr algn="ctr"/>
-            <a:endParaRPr lang="en-US"/>
-          </a:p>
-        </p:txBody>
-      </p:sp>
       <p:sp>
         <p:nvSpPr>
           <p:cNvPr id="2" name="Title 1">
@@ -29605,22 +29036,27 @@
             <p:ph type="title"/>
           </p:nvPr>
         </p:nvSpPr>
-        <p:spPr>
-          <a:xfrm>
-            <a:off x="7874928" y="1134142"/>
-            <a:ext cx="3456122" cy="4589717"/>
-          </a:xfrm>
-        </p:spPr>
+        <p:spPr/>
         <p:txBody>
           <a:bodyPr>
-            <a:normAutofit/>
+            <a:normAutofit fontScale="90000"/>
           </a:bodyPr>
           <a:lstStyle/>
           <a:p>
             <a:pPr algn="l"/>
             <a:r>
-              <a:rPr lang="en-US" sz="4800"/>
+              <a:rPr lang="en-US" sz="4800" dirty="0"/>
               <a:t>Design Overview</a:t>
+            </a:r>
+            <a:br>
+              <a:rPr lang="en-US" sz="4800" dirty="0"/>
+            </a:br>
+            <a:br>
+              <a:rPr lang="en-US" sz="4800" dirty="0"/>
+            </a:br>
+            <a:r>
+              <a:rPr lang="en-US" sz="4800" dirty="0"/>
+              <a:t>50 JSON files</a:t>
             </a:r>
           </a:p>
         </p:txBody>
@@ -29638,17 +29074,17 @@
             <a:spLocks noGrp="1"/>
           </p:cNvSpPr>
           <p:nvPr>
-            <p:ph idx="1"/>
+            <p:ph idx="4294967295"/>
           </p:nvPr>
         </p:nvSpPr>
         <p:spPr>
           <a:xfrm>
-            <a:off x="149676" y="128337"/>
-            <a:ext cx="7711453" cy="6545179"/>
+            <a:off x="4503880" y="262744"/>
+            <a:ext cx="3394075" cy="4092575"/>
           </a:xfrm>
         </p:spPr>
         <p:txBody>
-          <a:bodyPr numCol="2">
+          <a:bodyPr numCol="1">
             <a:normAutofit/>
           </a:bodyPr>
           <a:lstStyle/>
@@ -29660,35 +29096,33 @@
             </a:pPr>
             <a:r>
               <a:rPr lang="en-US" dirty="0"/>
-              <a:t>50 JSON files</a:t>
+              <a:t>Named with hotel ID’s</a:t>
+            </a:r>
+          </a:p>
+          <a:p>
+            <a:pPr marL="0" indent="0">
+              <a:lnSpc>
+                <a:spcPct val="110000"/>
+              </a:lnSpc>
+              <a:buNone/>
+            </a:pPr>
+            <a:endParaRPr lang="en-US" dirty="0"/>
+          </a:p>
+          <a:p>
+            <a:pPr>
+              <a:lnSpc>
+                <a:spcPct val="110000"/>
+              </a:lnSpc>
+            </a:pPr>
+            <a:r>
+              <a:rPr lang="en-US" b="1" dirty="0"/>
+              <a:t>Hotel information</a:t>
             </a:r>
           </a:p>
           <a:p>
             <a:pPr lvl="1">
               <a:lnSpc>
-                <a:spcPct val="110000"/>
-              </a:lnSpc>
-            </a:pPr>
-            <a:r>
-              <a:rPr lang="en-US" sz="1800" dirty="0"/>
-              <a:t>Named with hotel ID’s</a:t>
-            </a:r>
-          </a:p>
-          <a:p>
-            <a:pPr lvl="1">
-              <a:lnSpc>
-                <a:spcPct val="110000"/>
-              </a:lnSpc>
-            </a:pPr>
-            <a:r>
-              <a:rPr lang="en-US" sz="1800" dirty="0"/>
-              <a:t>Contains hotel information</a:t>
-            </a:r>
-          </a:p>
-          <a:p>
-            <a:pPr lvl="2">
-              <a:lnSpc>
-                <a:spcPct val="110000"/>
+                <a:spcPct val="100000"/>
               </a:lnSpc>
             </a:pPr>
             <a:r>
@@ -29697,9 +29131,9 @@
             </a:r>
           </a:p>
           <a:p>
-            <a:pPr lvl="2">
+            <a:pPr lvl="1">
               <a:lnSpc>
-                <a:spcPct val="110000"/>
+                <a:spcPct val="100000"/>
               </a:lnSpc>
             </a:pPr>
             <a:r>
@@ -29708,9 +29142,9 @@
             </a:r>
           </a:p>
           <a:p>
-            <a:pPr lvl="2">
+            <a:pPr lvl="1">
               <a:lnSpc>
-                <a:spcPct val="110000"/>
+                <a:spcPct val="100000"/>
               </a:lnSpc>
             </a:pPr>
             <a:r>
@@ -29719,9 +29153,9 @@
             </a:r>
           </a:p>
           <a:p>
-            <a:pPr lvl="2">
+            <a:pPr lvl="1">
               <a:lnSpc>
-                <a:spcPct val="110000"/>
+                <a:spcPct val="100000"/>
               </a:lnSpc>
             </a:pPr>
             <a:r>
@@ -29730,13 +29164,502 @@
             </a:r>
           </a:p>
           <a:p>
-            <a:pPr lvl="2">
+            <a:pPr lvl="1">
               <a:lnSpc>
-                <a:spcPct val="110000"/>
+                <a:spcPct val="100000"/>
               </a:lnSpc>
             </a:pPr>
             <a:r>
               <a:rPr lang="en-US" sz="1800" dirty="0"/>
+              <a:t>Hotel’s ID</a:t>
+            </a:r>
+          </a:p>
+          <a:p>
+            <a:pPr lvl="1">
+              <a:lnSpc>
+                <a:spcPct val="100000"/>
+              </a:lnSpc>
+            </a:pPr>
+            <a:r>
+              <a:rPr lang="en-US" sz="1800" dirty="0"/>
+              <a:t>Hotel image’s URL</a:t>
+            </a:r>
+          </a:p>
+        </p:txBody>
+      </p:sp>
+      <p:sp>
+        <p:nvSpPr>
+          <p:cNvPr id="3" name="Rectangle 2">
+            <a:extLst>
+              <a:ext uri="{FF2B5EF4-FFF2-40B4-BE49-F238E27FC236}">
+                <a16:creationId xmlns:a16="http://schemas.microsoft.com/office/drawing/2014/main" id="{9EB56254-12A8-4625-90BF-EC8754A8B517}"/>
+              </a:ext>
+            </a:extLst>
+          </p:cNvPr>
+          <p:cNvSpPr/>
+          <p:nvPr/>
+        </p:nvSpPr>
+        <p:spPr>
+          <a:xfrm>
+            <a:off x="7266836" y="3390897"/>
+            <a:ext cx="4906114" cy="3467103"/>
+          </a:xfrm>
+          <a:prstGeom prst="rect">
+            <a:avLst/>
+          </a:prstGeom>
+        </p:spPr>
+        <p:txBody>
+          <a:bodyPr wrap="square">
+            <a:spAutoFit/>
+          </a:bodyPr>
+          <a:lstStyle/>
+          <a:p>
+            <a:pPr marL="228600" indent="-228600" defTabSz="914400">
+              <a:lnSpc>
+                <a:spcPct val="110000"/>
+              </a:lnSpc>
+              <a:spcBef>
+                <a:spcPts val="500"/>
+              </a:spcBef>
+              <a:buClr>
+                <a:srgbClr val="F81B02"/>
+              </a:buClr>
+              <a:buSzPct val="110000"/>
+              <a:buFont typeface="Wingdings" panose="05000000000000000000" pitchFamily="2" charset="2"/>
+              <a:buChar char="§"/>
+            </a:pPr>
+            <a:r>
+              <a:rPr lang="en-US" b="1" dirty="0">
+                <a:solidFill>
+                  <a:prstClr val="black"/>
+                </a:solidFill>
+              </a:rPr>
+              <a:t>User Ratings (1-5)</a:t>
+            </a:r>
+          </a:p>
+          <a:p>
+            <a:pPr marL="685800" lvl="1" indent="-228600" defTabSz="914400">
+              <a:spcBef>
+                <a:spcPts val="500"/>
+              </a:spcBef>
+              <a:buClr>
+                <a:srgbClr val="F81B02"/>
+              </a:buClr>
+              <a:buSzPct val="110000"/>
+              <a:buFont typeface="Wingdings" panose="05000000000000000000" pitchFamily="2" charset="2"/>
+              <a:buChar char="§"/>
+            </a:pPr>
+            <a:r>
+              <a:rPr lang="en-US" dirty="0">
+                <a:solidFill>
+                  <a:prstClr val="black"/>
+                </a:solidFill>
+              </a:rPr>
+              <a:t>Cleanliness</a:t>
+            </a:r>
+          </a:p>
+          <a:p>
+            <a:pPr marL="685800" lvl="1" indent="-228600" defTabSz="914400">
+              <a:spcBef>
+                <a:spcPts val="500"/>
+              </a:spcBef>
+              <a:buClr>
+                <a:srgbClr val="F81B02"/>
+              </a:buClr>
+              <a:buSzPct val="110000"/>
+              <a:buFont typeface="Wingdings" panose="05000000000000000000" pitchFamily="2" charset="2"/>
+              <a:buChar char="§"/>
+            </a:pPr>
+            <a:r>
+              <a:rPr lang="en-US" dirty="0">
+                <a:solidFill>
+                  <a:prstClr val="black"/>
+                </a:solidFill>
+              </a:rPr>
+              <a:t>Location</a:t>
+            </a:r>
+          </a:p>
+          <a:p>
+            <a:pPr marL="685800" lvl="1" indent="-228600" defTabSz="914400">
+              <a:spcBef>
+                <a:spcPts val="500"/>
+              </a:spcBef>
+              <a:buClr>
+                <a:srgbClr val="F81B02"/>
+              </a:buClr>
+              <a:buSzPct val="110000"/>
+              <a:buFont typeface="Wingdings" panose="05000000000000000000" pitchFamily="2" charset="2"/>
+              <a:buChar char="§"/>
+            </a:pPr>
+            <a:r>
+              <a:rPr lang="en-US" dirty="0">
+                <a:solidFill>
+                  <a:prstClr val="black"/>
+                </a:solidFill>
+              </a:rPr>
+              <a:t>Overall</a:t>
+            </a:r>
+          </a:p>
+          <a:p>
+            <a:pPr marL="685800" lvl="1" indent="-228600" defTabSz="914400">
+              <a:spcBef>
+                <a:spcPts val="500"/>
+              </a:spcBef>
+              <a:buClr>
+                <a:srgbClr val="F81B02"/>
+              </a:buClr>
+              <a:buSzPct val="110000"/>
+              <a:buFont typeface="Wingdings" panose="05000000000000000000" pitchFamily="2" charset="2"/>
+              <a:buChar char="§"/>
+            </a:pPr>
+            <a:r>
+              <a:rPr lang="en-US" dirty="0">
+                <a:solidFill>
+                  <a:prstClr val="black"/>
+                </a:solidFill>
+              </a:rPr>
+              <a:t>Rooms</a:t>
+            </a:r>
+          </a:p>
+          <a:p>
+            <a:pPr marL="685800" lvl="1" indent="-228600" defTabSz="914400">
+              <a:spcBef>
+                <a:spcPts val="500"/>
+              </a:spcBef>
+              <a:buClr>
+                <a:srgbClr val="F81B02"/>
+              </a:buClr>
+              <a:buSzPct val="110000"/>
+              <a:buFont typeface="Wingdings" panose="05000000000000000000" pitchFamily="2" charset="2"/>
+              <a:buChar char="§"/>
+            </a:pPr>
+            <a:r>
+              <a:rPr lang="en-US" dirty="0">
+                <a:solidFill>
+                  <a:prstClr val="black"/>
+                </a:solidFill>
+              </a:rPr>
+              <a:t>Service</a:t>
+            </a:r>
+          </a:p>
+          <a:p>
+            <a:pPr marL="685800" lvl="1" indent="-228600" defTabSz="914400">
+              <a:spcBef>
+                <a:spcPts val="500"/>
+              </a:spcBef>
+              <a:buClr>
+                <a:srgbClr val="F81B02"/>
+              </a:buClr>
+              <a:buSzPct val="110000"/>
+              <a:buFont typeface="Wingdings" panose="05000000000000000000" pitchFamily="2" charset="2"/>
+              <a:buChar char="§"/>
+            </a:pPr>
+            <a:r>
+              <a:rPr lang="en-US" dirty="0">
+                <a:solidFill>
+                  <a:prstClr val="black"/>
+                </a:solidFill>
+              </a:rPr>
+              <a:t>Sleep Quality</a:t>
+            </a:r>
+          </a:p>
+          <a:p>
+            <a:pPr marL="685800" lvl="1" indent="-228600" defTabSz="914400">
+              <a:spcBef>
+                <a:spcPts val="500"/>
+              </a:spcBef>
+              <a:buClr>
+                <a:srgbClr val="F81B02"/>
+              </a:buClr>
+              <a:buSzPct val="110000"/>
+              <a:buFont typeface="Wingdings" panose="05000000000000000000" pitchFamily="2" charset="2"/>
+              <a:buChar char="§"/>
+            </a:pPr>
+            <a:r>
+              <a:rPr lang="en-US" dirty="0">
+                <a:solidFill>
+                  <a:prstClr val="black"/>
+                </a:solidFill>
+              </a:rPr>
+              <a:t>Value</a:t>
+            </a:r>
+          </a:p>
+          <a:p>
+            <a:pPr marL="685800" lvl="1" indent="-228600" defTabSz="914400">
+              <a:spcBef>
+                <a:spcPts val="500"/>
+              </a:spcBef>
+              <a:buClr>
+                <a:srgbClr val="F81B02"/>
+              </a:buClr>
+              <a:buSzPct val="110000"/>
+              <a:buFont typeface="Wingdings" panose="05000000000000000000" pitchFamily="2" charset="2"/>
+              <a:buChar char="§"/>
+            </a:pPr>
+            <a:r>
+              <a:rPr lang="en-US" dirty="0">
+                <a:solidFill>
+                  <a:prstClr val="black"/>
+                </a:solidFill>
+              </a:rPr>
+              <a:t>Check In / Front Desk</a:t>
+            </a:r>
+          </a:p>
+          <a:p>
+            <a:pPr marL="685800" lvl="1" indent="-228600" defTabSz="914400">
+              <a:spcBef>
+                <a:spcPts val="500"/>
+              </a:spcBef>
+              <a:buClr>
+                <a:srgbClr val="F81B02"/>
+              </a:buClr>
+              <a:buSzPct val="110000"/>
+              <a:buFont typeface="Wingdings" panose="05000000000000000000" pitchFamily="2" charset="2"/>
+              <a:buChar char="§"/>
+            </a:pPr>
+            <a:r>
+              <a:rPr lang="en-US" dirty="0">
+                <a:solidFill>
+                  <a:prstClr val="black"/>
+                </a:solidFill>
+              </a:rPr>
+              <a:t>Business Service(</a:t>
+            </a:r>
+            <a:r>
+              <a:rPr lang="en-US" dirty="0" err="1">
+                <a:solidFill>
+                  <a:prstClr val="black"/>
+                </a:solidFill>
+              </a:rPr>
+              <a:t>eg</a:t>
+            </a:r>
+            <a:r>
+              <a:rPr lang="en-US" dirty="0">
+                <a:solidFill>
+                  <a:prstClr val="black"/>
+                </a:solidFill>
+              </a:rPr>
+              <a:t>, internet service)</a:t>
+            </a:r>
+            <a:endParaRPr lang="en-US" dirty="0"/>
+          </a:p>
+        </p:txBody>
+      </p:sp>
+      <p:sp>
+        <p:nvSpPr>
+          <p:cNvPr id="4" name="Rectangle 3">
+            <a:extLst>
+              <a:ext uri="{FF2B5EF4-FFF2-40B4-BE49-F238E27FC236}">
+                <a16:creationId xmlns:a16="http://schemas.microsoft.com/office/drawing/2014/main" id="{5D93666C-9E3C-4E0A-935E-AA8C064EE68C}"/>
+              </a:ext>
+            </a:extLst>
+          </p:cNvPr>
+          <p:cNvSpPr/>
+          <p:nvPr/>
+        </p:nvSpPr>
+        <p:spPr>
+          <a:xfrm>
+            <a:off x="9030301" y="262744"/>
+            <a:ext cx="3693566" cy="3408434"/>
+          </a:xfrm>
+          <a:prstGeom prst="rect">
+            <a:avLst/>
+          </a:prstGeom>
+        </p:spPr>
+        <p:txBody>
+          <a:bodyPr wrap="square">
+            <a:spAutoFit/>
+          </a:bodyPr>
+          <a:lstStyle/>
+          <a:p>
+            <a:pPr marL="228600" indent="-228600" defTabSz="914400">
+              <a:lnSpc>
+                <a:spcPct val="110000"/>
+              </a:lnSpc>
+              <a:spcBef>
+                <a:spcPts val="500"/>
+              </a:spcBef>
+              <a:buClr>
+                <a:srgbClr val="F81B02"/>
+              </a:buClr>
+              <a:buSzPct val="110000"/>
+              <a:buFont typeface="Wingdings" panose="05000000000000000000" pitchFamily="2" charset="2"/>
+              <a:buChar char="§"/>
+            </a:pPr>
+            <a:r>
+              <a:rPr lang="en-US" b="1" dirty="0">
+                <a:solidFill>
+                  <a:prstClr val="black"/>
+                </a:solidFill>
+              </a:rPr>
+              <a:t>User’s reviews</a:t>
+            </a:r>
+          </a:p>
+          <a:p>
+            <a:pPr marL="685800" lvl="1" indent="-228600" defTabSz="914400">
+              <a:spcBef>
+                <a:spcPts val="500"/>
+              </a:spcBef>
+              <a:buClr>
+                <a:srgbClr val="F81B02"/>
+              </a:buClr>
+              <a:buSzPct val="110000"/>
+              <a:buFont typeface="Wingdings" panose="05000000000000000000" pitchFamily="2" charset="2"/>
+              <a:buChar char="§"/>
+            </a:pPr>
+            <a:r>
+              <a:rPr lang="en-US" dirty="0">
+                <a:solidFill>
+                  <a:prstClr val="black"/>
+                </a:solidFill>
+              </a:rPr>
+              <a:t>Ratings from user</a:t>
+            </a:r>
+          </a:p>
+          <a:p>
+            <a:pPr marL="685800" lvl="1" indent="-228600" defTabSz="914400">
+              <a:spcBef>
+                <a:spcPts val="500"/>
+              </a:spcBef>
+              <a:buClr>
+                <a:srgbClr val="F81B02"/>
+              </a:buClr>
+              <a:buSzPct val="110000"/>
+              <a:buFont typeface="Wingdings" panose="05000000000000000000" pitchFamily="2" charset="2"/>
+              <a:buChar char="§"/>
+            </a:pPr>
+            <a:r>
+              <a:rPr lang="en-US" dirty="0">
+                <a:solidFill>
+                  <a:prstClr val="black"/>
+                </a:solidFill>
+              </a:rPr>
+              <a:t>Author’s location</a:t>
+            </a:r>
+          </a:p>
+          <a:p>
+            <a:pPr marL="685800" lvl="1" indent="-228600" defTabSz="914400">
+              <a:spcBef>
+                <a:spcPts val="500"/>
+              </a:spcBef>
+              <a:buClr>
+                <a:srgbClr val="F81B02"/>
+              </a:buClr>
+              <a:buSzPct val="110000"/>
+              <a:buFont typeface="Wingdings" panose="05000000000000000000" pitchFamily="2" charset="2"/>
+              <a:buChar char="§"/>
+            </a:pPr>
+            <a:r>
+              <a:rPr lang="en-US" dirty="0">
+                <a:solidFill>
+                  <a:prstClr val="black"/>
+                </a:solidFill>
+              </a:rPr>
+              <a:t>Title of review</a:t>
+            </a:r>
+          </a:p>
+          <a:p>
+            <a:pPr marL="685800" lvl="1" indent="-228600" defTabSz="914400">
+              <a:spcBef>
+                <a:spcPts val="500"/>
+              </a:spcBef>
+              <a:buClr>
+                <a:srgbClr val="F81B02"/>
+              </a:buClr>
+              <a:buSzPct val="110000"/>
+              <a:buFont typeface="Wingdings" panose="05000000000000000000" pitchFamily="2" charset="2"/>
+              <a:buChar char="§"/>
+            </a:pPr>
+            <a:r>
+              <a:rPr lang="en-US" dirty="0">
+                <a:solidFill>
+                  <a:prstClr val="black"/>
+                </a:solidFill>
+              </a:rPr>
+              <a:t>Author’s screenname</a:t>
+            </a:r>
+          </a:p>
+          <a:p>
+            <a:pPr marL="685800" lvl="1" indent="-228600" defTabSz="914400">
+              <a:spcBef>
+                <a:spcPts val="500"/>
+              </a:spcBef>
+              <a:buClr>
+                <a:srgbClr val="F81B02"/>
+              </a:buClr>
+              <a:buSzPct val="110000"/>
+              <a:buFont typeface="Wingdings" panose="05000000000000000000" pitchFamily="2" charset="2"/>
+              <a:buChar char="§"/>
+            </a:pPr>
+            <a:r>
+              <a:rPr lang="en-US" dirty="0">
+                <a:solidFill>
+                  <a:prstClr val="black"/>
+                </a:solidFill>
+              </a:rPr>
+              <a:t>Review’s ID</a:t>
+            </a:r>
+          </a:p>
+          <a:p>
+            <a:pPr marL="685800" lvl="1" indent="-228600" defTabSz="914400">
+              <a:spcBef>
+                <a:spcPts val="500"/>
+              </a:spcBef>
+              <a:buClr>
+                <a:srgbClr val="F81B02"/>
+              </a:buClr>
+              <a:buSzPct val="110000"/>
+              <a:buFont typeface="Wingdings" panose="05000000000000000000" pitchFamily="2" charset="2"/>
+              <a:buChar char="§"/>
+            </a:pPr>
+            <a:r>
+              <a:rPr lang="en-US" dirty="0">
+                <a:solidFill>
+                  <a:prstClr val="black"/>
+                </a:solidFill>
+              </a:rPr>
+              <a:t>Review Content</a:t>
+            </a:r>
+          </a:p>
+          <a:p>
+            <a:pPr marL="685800" lvl="1" indent="-228600" defTabSz="914400">
+              <a:spcBef>
+                <a:spcPts val="500"/>
+              </a:spcBef>
+              <a:buClr>
+                <a:srgbClr val="F81B02"/>
+              </a:buClr>
+              <a:buSzPct val="110000"/>
+              <a:buFont typeface="Wingdings" panose="05000000000000000000" pitchFamily="2" charset="2"/>
+              <a:buChar char="§"/>
+            </a:pPr>
+            <a:r>
+              <a:rPr lang="en-US" dirty="0">
+                <a:solidFill>
+                  <a:prstClr val="black"/>
+                </a:solidFill>
+              </a:rPr>
+              <a:t>Review Date</a:t>
+            </a:r>
+          </a:p>
+          <a:p>
+            <a:pPr marL="685800" lvl="1" indent="-228600" defTabSz="914400">
+              <a:spcBef>
+                <a:spcPts val="500"/>
+              </a:spcBef>
+              <a:buClr>
+                <a:srgbClr val="F81B02"/>
+              </a:buClr>
+              <a:buSzPct val="110000"/>
+              <a:buFont typeface="Wingdings" panose="05000000000000000000" pitchFamily="2" charset="2"/>
+              <a:buChar char="§"/>
+            </a:pPr>
+            <a:r>
+              <a:rPr lang="en-US" dirty="0">
+                <a:solidFill>
+                  <a:prstClr val="black"/>
+                </a:solidFill>
+              </a:rPr>
               <a:t>Hotel’s ID</a:t>
             </a:r>
           </a:p>
@@ -29746,227 +29669,7 @@
                 <a:spcPct val="110000"/>
               </a:lnSpc>
             </a:pPr>
-            <a:r>
-              <a:rPr lang="en-US" sz="1800" dirty="0"/>
-              <a:t>Hotel image’s URL</a:t>
-            </a:r>
-          </a:p>
-          <a:p>
-            <a:pPr lvl="1">
-              <a:lnSpc>
-                <a:spcPct val="110000"/>
-              </a:lnSpc>
-            </a:pPr>
-            <a:r>
-              <a:rPr lang="en-US" sz="1800" dirty="0"/>
-              <a:t>Contains user’s reviews</a:t>
-            </a:r>
-          </a:p>
-          <a:p>
-            <a:pPr lvl="2">
-              <a:lnSpc>
-                <a:spcPct val="110000"/>
-              </a:lnSpc>
-            </a:pPr>
-            <a:r>
-              <a:rPr lang="en-US" sz="1800" dirty="0"/>
-              <a:t>Ratings from user</a:t>
-            </a:r>
-          </a:p>
-          <a:p>
-            <a:pPr lvl="2">
-              <a:lnSpc>
-                <a:spcPct val="110000"/>
-              </a:lnSpc>
-            </a:pPr>
-            <a:r>
-              <a:rPr lang="en-US" sz="1800" dirty="0"/>
-              <a:t>Author’s location</a:t>
-            </a:r>
-          </a:p>
-          <a:p>
-            <a:pPr lvl="2">
-              <a:lnSpc>
-                <a:spcPct val="110000"/>
-              </a:lnSpc>
-            </a:pPr>
-            <a:r>
-              <a:rPr lang="en-US" sz="1800" dirty="0"/>
-              <a:t>Title of review</a:t>
-            </a:r>
-          </a:p>
-          <a:p>
-            <a:pPr lvl="2">
-              <a:lnSpc>
-                <a:spcPct val="110000"/>
-              </a:lnSpc>
-            </a:pPr>
-            <a:r>
-              <a:rPr lang="en-US" sz="1800" dirty="0"/>
-              <a:t>Author’s screenname</a:t>
-            </a:r>
-          </a:p>
-          <a:p>
-            <a:pPr lvl="2">
-              <a:lnSpc>
-                <a:spcPct val="110000"/>
-              </a:lnSpc>
-            </a:pPr>
-            <a:r>
-              <a:rPr lang="en-US" sz="1800" dirty="0"/>
-              <a:t>Review’s ID</a:t>
-            </a:r>
-          </a:p>
-          <a:p>
-            <a:pPr lvl="2">
-              <a:lnSpc>
-                <a:spcPct val="110000"/>
-              </a:lnSpc>
-            </a:pPr>
-            <a:r>
-              <a:rPr lang="en-US" sz="1800" dirty="0"/>
-              <a:t>Review Content</a:t>
-            </a:r>
-          </a:p>
-          <a:p>
-            <a:pPr lvl="2">
-              <a:lnSpc>
-                <a:spcPct val="110000"/>
-              </a:lnSpc>
-            </a:pPr>
-            <a:r>
-              <a:rPr lang="en-US" sz="1800" dirty="0"/>
-              <a:t>Review Date</a:t>
-            </a:r>
-          </a:p>
-          <a:p>
-            <a:pPr lvl="2">
-              <a:lnSpc>
-                <a:spcPct val="110000"/>
-              </a:lnSpc>
-            </a:pPr>
-            <a:r>
-              <a:rPr lang="en-US" sz="1800" dirty="0"/>
-              <a:t>Hotel’s I</a:t>
-            </a:r>
-          </a:p>
-          <a:p>
-            <a:pPr lvl="1">
-              <a:lnSpc>
-                <a:spcPct val="110000"/>
-              </a:lnSpc>
-            </a:pPr>
-            <a:r>
-              <a:rPr lang="en-US" sz="1800" dirty="0"/>
-              <a:t>User Ratings contains     (1-5)</a:t>
-            </a:r>
-          </a:p>
-          <a:p>
-            <a:pPr lvl="2">
-              <a:lnSpc>
-                <a:spcPct val="110000"/>
-              </a:lnSpc>
-            </a:pPr>
-            <a:r>
-              <a:rPr lang="en-US" sz="1800" dirty="0"/>
-              <a:t>Cleanliness</a:t>
-            </a:r>
-          </a:p>
-          <a:p>
-            <a:pPr lvl="2">
-              <a:lnSpc>
-                <a:spcPct val="110000"/>
-              </a:lnSpc>
-            </a:pPr>
-            <a:r>
-              <a:rPr lang="en-US" sz="1800" dirty="0"/>
-              <a:t>Location</a:t>
-            </a:r>
-          </a:p>
-          <a:p>
-            <a:pPr lvl="2">
-              <a:lnSpc>
-                <a:spcPct val="110000"/>
-              </a:lnSpc>
-            </a:pPr>
-            <a:r>
-              <a:rPr lang="en-US" sz="1800" dirty="0"/>
-              <a:t>Overall</a:t>
-            </a:r>
-          </a:p>
-          <a:p>
-            <a:pPr lvl="2">
-              <a:lnSpc>
-                <a:spcPct val="110000"/>
-              </a:lnSpc>
-            </a:pPr>
-            <a:r>
-              <a:rPr lang="en-US" sz="1800" dirty="0"/>
-              <a:t>Rooms</a:t>
-            </a:r>
-          </a:p>
-          <a:p>
-            <a:pPr lvl="2">
-              <a:lnSpc>
-                <a:spcPct val="110000"/>
-              </a:lnSpc>
-            </a:pPr>
-            <a:r>
-              <a:rPr lang="en-US" sz="1800" dirty="0"/>
-              <a:t>Service</a:t>
-            </a:r>
-          </a:p>
-          <a:p>
-            <a:pPr lvl="2">
-              <a:lnSpc>
-                <a:spcPct val="110000"/>
-              </a:lnSpc>
-            </a:pPr>
-            <a:r>
-              <a:rPr lang="en-US" sz="1800" dirty="0"/>
-              <a:t>Sleep Quality</a:t>
-            </a:r>
-          </a:p>
-          <a:p>
-            <a:pPr lvl="2">
-              <a:lnSpc>
-                <a:spcPct val="110000"/>
-              </a:lnSpc>
-            </a:pPr>
-            <a:r>
-              <a:rPr lang="en-US" sz="1800" dirty="0"/>
-              <a:t>Value</a:t>
-            </a:r>
-          </a:p>
-          <a:p>
-            <a:pPr lvl="2">
-              <a:lnSpc>
-                <a:spcPct val="110000"/>
-              </a:lnSpc>
-            </a:pPr>
-            <a:r>
-              <a:rPr lang="en-US" sz="1800" dirty="0"/>
-              <a:t>Check In / Front Desk</a:t>
-            </a:r>
-          </a:p>
-          <a:p>
-            <a:pPr lvl="2">
-              <a:lnSpc>
-                <a:spcPct val="110000"/>
-              </a:lnSpc>
-            </a:pPr>
-            <a:r>
-              <a:rPr lang="en-US" sz="1800" dirty="0"/>
-              <a:t>Business Service(</a:t>
-            </a:r>
-            <a:r>
-              <a:rPr lang="en-US" sz="1800" dirty="0" err="1"/>
-              <a:t>eg</a:t>
-            </a:r>
-            <a:r>
-              <a:rPr lang="en-US" sz="1800" dirty="0"/>
-              <a:t>, internet service)</a:t>
-            </a:r>
+            <a:endParaRPr lang="en-US" dirty="0"/>
           </a:p>
         </p:txBody>
       </p:sp>
@@ -30820,8 +30523,8 @@
         </p:nvSpPr>
         <p:spPr>
           <a:xfrm>
-            <a:off x="497150" y="2349925"/>
-            <a:ext cx="3000652" cy="2456442"/>
+            <a:off x="144724" y="2197525"/>
+            <a:ext cx="3633689" cy="2456442"/>
           </a:xfrm>
         </p:spPr>
         <p:txBody>
@@ -30832,7 +30535,7 @@
           <a:p>
             <a:pPr algn="l"/>
             <a:r>
-              <a:rPr lang="en-US" sz="3600" dirty="0"/>
+              <a:rPr lang="en-US" sz="4400" dirty="0"/>
               <a:t>Design Considerations</a:t>
             </a:r>
           </a:p>
@@ -37389,8 +37092,8 @@
         </p:blipFill>
         <p:spPr>
           <a:xfrm>
-            <a:off x="5833460" y="2785068"/>
-            <a:ext cx="3989333" cy="3478545"/>
+            <a:off x="5739306" y="2202509"/>
+            <a:ext cx="5032979" cy="4388564"/>
           </a:xfrm>
           <a:prstGeom prst="rect">
             <a:avLst/>
@@ -42427,7 +42130,7 @@
           <a:lstStyle/>
           <a:p>
             <a:r>
-              <a:rPr lang="en-US" sz="1600" dirty="0">
+              <a:rPr lang="en-US" sz="2000" dirty="0">
                 <a:solidFill>
                   <a:srgbClr val="FFFFFE"/>
                 </a:solidFill>
@@ -42437,7 +42140,7 @@
           </a:p>
           <a:p>
             <a:r>
-              <a:rPr lang="en-US" sz="1600" dirty="0">
+              <a:rPr lang="en-US" sz="2000" dirty="0">
                 <a:solidFill>
                   <a:srgbClr val="FFFFFE"/>
                 </a:solidFill>

--- a/MSDS_7330_Final_Term_Project.pptx
+++ b/MSDS_7330_Final_Term_Project.pptx
@@ -26931,16 +26931,16 @@
         </p:spPr>
         <p:txBody>
           <a:bodyPr>
-            <a:normAutofit/>
+            <a:normAutofit fontScale="85000" lnSpcReduction="20000"/>
           </a:bodyPr>
           <a:lstStyle/>
           <a:p>
             <a:r>
-              <a:rPr lang="en-US" sz="3200" dirty="0" err="1"/>
+              <a:rPr lang="en-US" sz="2600" dirty="0" err="1"/>
               <a:t>Upsert</a:t>
             </a:r>
             <a:r>
-              <a:rPr lang="en-US" sz="3200" dirty="0"/>
+              <a:rPr lang="en-US" sz="2600" dirty="0"/>
               <a:t> function</a:t>
             </a:r>
           </a:p>
@@ -26949,6 +26949,67 @@
             <a:r>
               <a:rPr lang="en-US" sz="2400" dirty="0"/>
               <a:t>Use this to handle both updates and inserts in the same statement</a:t>
+            </a:r>
+          </a:p>
+          <a:p>
+            <a:r>
+              <a:rPr lang="en-US" sz="2600" dirty="0" err="1"/>
+              <a:t>String.split</a:t>
+            </a:r>
+            <a:r>
+              <a:rPr lang="en-US" sz="2600" dirty="0"/>
+              <a:t>() function</a:t>
+            </a:r>
+          </a:p>
+          <a:p>
+            <a:pPr lvl="1"/>
+            <a:r>
+              <a:rPr lang="en-US" sz="2400" dirty="0"/>
+              <a:t>Flask only handle string, int, float, path and </a:t>
+            </a:r>
+            <a:r>
+              <a:rPr lang="en-US" sz="2400" dirty="0" err="1"/>
+              <a:t>uuid</a:t>
+            </a:r>
+            <a:r>
+              <a:rPr lang="en-US" sz="2400" dirty="0"/>
+              <a:t> variables</a:t>
+            </a:r>
+          </a:p>
+          <a:p>
+            <a:pPr lvl="1"/>
+            <a:r>
+              <a:rPr lang="en-US" sz="2400" dirty="0"/>
+              <a:t>The .split() function is a great work around to generates a list of arguments</a:t>
+            </a:r>
+          </a:p>
+          <a:p>
+            <a:r>
+              <a:rPr lang="en-US" sz="2600" dirty="0"/>
+              <a:t>Spelling Mistakes      </a:t>
+            </a:r>
+          </a:p>
+          <a:p>
+            <a:pPr lvl="1"/>
+            <a:r>
+              <a:rPr lang="en-US" sz="2400" dirty="0"/>
+              <a:t>Could further build database to handle finding reviews with spelling mistakes (i.e., "</a:t>
+            </a:r>
+            <a:r>
+              <a:rPr lang="en-US" sz="2400" dirty="0" err="1"/>
+              <a:t>awesom</a:t>
+            </a:r>
+            <a:r>
+              <a:rPr lang="en-US" sz="2400" dirty="0"/>
+              <a:t>" or "</a:t>
+            </a:r>
+            <a:r>
+              <a:rPr lang="en-US" sz="2400" dirty="0" err="1"/>
+              <a:t>awsome</a:t>
+            </a:r>
+            <a:r>
+              <a:rPr lang="en-US" sz="2400" dirty="0"/>
+              <a:t>") along with the intended word(s) (i.e., "Awesome")</a:t>
             </a:r>
           </a:p>
         </p:txBody>
